--- a/doc/毕设阶段讨论7.pptx
+++ b/doc/毕设阶段讨论7.pptx
@@ -4,8 +4,21 @@
   <p:sldMasterIdLst>
     <p:sldMasterId id="2147483660" r:id="rId1"/>
   </p:sldMasterIdLst>
+  <p:notesMasterIdLst>
+    <p:notesMasterId r:id="rId13"/>
+  </p:notesMasterIdLst>
   <p:sldIdLst>
     <p:sldId id="256" r:id="rId2"/>
+    <p:sldId id="257" r:id="rId3"/>
+    <p:sldId id="260" r:id="rId4"/>
+    <p:sldId id="262" r:id="rId5"/>
+    <p:sldId id="261" r:id="rId6"/>
+    <p:sldId id="265" r:id="rId7"/>
+    <p:sldId id="266" r:id="rId8"/>
+    <p:sldId id="267" r:id="rId9"/>
+    <p:sldId id="268" r:id="rId10"/>
+    <p:sldId id="259" r:id="rId11"/>
+    <p:sldId id="269" r:id="rId12"/>
   </p:sldIdLst>
   <p:sldSz cx="9144000" cy="6858000" type="screen4x3"/>
   <p:notesSz cx="6858000" cy="9144000"/>
@@ -104,7 +117,506 @@
       </a:defRPr>
     </a:lvl9pPr>
   </p:defaultTextStyle>
+  <p:extLst>
+    <p:ext uri="{EFAFB233-063F-42B5-8137-9DF3F51BA10A}">
+      <p15:sldGuideLst xmlns:p15="http://schemas.microsoft.com/office/powerpoint/2012/main"/>
+    </p:ext>
+  </p:extLst>
 </p:presentation>
+</file>
+
+<file path=ppt/notesMasters/notesMaster1.xml><?xml version="1.0" encoding="utf-8"?>
+<p:notesMaster xmlns:a="http://schemas.openxmlformats.org/drawingml/2006/main" xmlns:r="http://schemas.openxmlformats.org/officeDocument/2006/relationships" xmlns:p="http://schemas.openxmlformats.org/presentationml/2006/main">
+  <p:cSld>
+    <p:bg>
+      <p:bgRef idx="1001">
+        <a:schemeClr val="bg1"/>
+      </p:bgRef>
+    </p:bg>
+    <p:spTree>
+      <p:nvGrpSpPr>
+        <p:cNvPr id="1" name=""/>
+        <p:cNvGrpSpPr/>
+        <p:nvPr/>
+      </p:nvGrpSpPr>
+      <p:grpSpPr>
+        <a:xfrm>
+          <a:off x="0" y="0"/>
+          <a:ext cx="0" cy="0"/>
+          <a:chOff x="0" y="0"/>
+          <a:chExt cx="0" cy="0"/>
+        </a:xfrm>
+      </p:grpSpPr>
+      <p:sp>
+        <p:nvSpPr>
+          <p:cNvPr id="2" name="页眉占位符 1"/>
+          <p:cNvSpPr>
+            <a:spLocks noGrp="1"/>
+          </p:cNvSpPr>
+          <p:nvPr>
+            <p:ph type="hdr" sz="quarter"/>
+          </p:nvPr>
+        </p:nvSpPr>
+        <p:spPr>
+          <a:xfrm>
+            <a:off x="0" y="0"/>
+            <a:ext cx="2971800" cy="458788"/>
+          </a:xfrm>
+          <a:prstGeom prst="rect">
+            <a:avLst/>
+          </a:prstGeom>
+        </p:spPr>
+        <p:txBody>
+          <a:bodyPr vert="horz" lIns="91440" tIns="45720" rIns="91440" bIns="45720" rtlCol="0"/>
+          <a:lstStyle>
+            <a:lvl1pPr algn="l">
+              <a:defRPr sz="1200"/>
+            </a:lvl1pPr>
+          </a:lstStyle>
+          <a:p>
+            <a:endParaRPr lang="zh-CN" altLang="en-US"/>
+          </a:p>
+        </p:txBody>
+      </p:sp>
+      <p:sp>
+        <p:nvSpPr>
+          <p:cNvPr id="3" name="日期占位符 2"/>
+          <p:cNvSpPr>
+            <a:spLocks noGrp="1"/>
+          </p:cNvSpPr>
+          <p:nvPr>
+            <p:ph type="dt" idx="1"/>
+          </p:nvPr>
+        </p:nvSpPr>
+        <p:spPr>
+          <a:xfrm>
+            <a:off x="3884613" y="0"/>
+            <a:ext cx="2971800" cy="458788"/>
+          </a:xfrm>
+          <a:prstGeom prst="rect">
+            <a:avLst/>
+          </a:prstGeom>
+        </p:spPr>
+        <p:txBody>
+          <a:bodyPr vert="horz" lIns="91440" tIns="45720" rIns="91440" bIns="45720" rtlCol="0"/>
+          <a:lstStyle>
+            <a:lvl1pPr algn="r">
+              <a:defRPr sz="1200"/>
+            </a:lvl1pPr>
+          </a:lstStyle>
+          <a:p>
+            <a:fld id="{5DBC8EBB-82CA-4089-9A75-8A22EA890BBE}" type="datetimeFigureOut">
+              <a:rPr lang="zh-CN" altLang="en-US" smtClean="0"/>
+              <a:t>2018/3/6</a:t>
+            </a:fld>
+            <a:endParaRPr lang="zh-CN" altLang="en-US"/>
+          </a:p>
+        </p:txBody>
+      </p:sp>
+      <p:sp>
+        <p:nvSpPr>
+          <p:cNvPr id="4" name="幻灯片图像占位符 3"/>
+          <p:cNvSpPr>
+            <a:spLocks noGrp="1" noRot="1" noChangeAspect="1"/>
+          </p:cNvSpPr>
+          <p:nvPr>
+            <p:ph type="sldImg" idx="2"/>
+          </p:nvPr>
+        </p:nvSpPr>
+        <p:spPr>
+          <a:xfrm>
+            <a:off x="1371600" y="1143000"/>
+            <a:ext cx="4114800" cy="3086100"/>
+          </a:xfrm>
+          <a:prstGeom prst="rect">
+            <a:avLst/>
+          </a:prstGeom>
+          <a:noFill/>
+          <a:ln w="12700">
+            <a:solidFill>
+              <a:prstClr val="black"/>
+            </a:solidFill>
+          </a:ln>
+        </p:spPr>
+        <p:txBody>
+          <a:bodyPr vert="horz" lIns="91440" tIns="45720" rIns="91440" bIns="45720" rtlCol="0" anchor="ctr"/>
+          <a:lstStyle/>
+          <a:p>
+            <a:endParaRPr lang="zh-CN" altLang="en-US"/>
+          </a:p>
+        </p:txBody>
+      </p:sp>
+      <p:sp>
+        <p:nvSpPr>
+          <p:cNvPr id="5" name="备注占位符 4"/>
+          <p:cNvSpPr>
+            <a:spLocks noGrp="1"/>
+          </p:cNvSpPr>
+          <p:nvPr>
+            <p:ph type="body" sz="quarter" idx="3"/>
+          </p:nvPr>
+        </p:nvSpPr>
+        <p:spPr>
+          <a:xfrm>
+            <a:off x="685800" y="4400550"/>
+            <a:ext cx="5486400" cy="3600450"/>
+          </a:xfrm>
+          <a:prstGeom prst="rect">
+            <a:avLst/>
+          </a:prstGeom>
+        </p:spPr>
+        <p:txBody>
+          <a:bodyPr vert="horz" lIns="91440" tIns="45720" rIns="91440" bIns="45720" rtlCol="0"/>
+          <a:lstStyle/>
+          <a:p>
+            <a:pPr lvl="0"/>
+            <a:r>
+              <a:rPr lang="zh-CN" altLang="en-US" smtClean="0"/>
+              <a:t>编辑母版文本样式</a:t>
+            </a:r>
+          </a:p>
+          <a:p>
+            <a:pPr lvl="1"/>
+            <a:r>
+              <a:rPr lang="zh-CN" altLang="en-US" smtClean="0"/>
+              <a:t>第二级</a:t>
+            </a:r>
+          </a:p>
+          <a:p>
+            <a:pPr lvl="2"/>
+            <a:r>
+              <a:rPr lang="zh-CN" altLang="en-US" smtClean="0"/>
+              <a:t>第三级</a:t>
+            </a:r>
+          </a:p>
+          <a:p>
+            <a:pPr lvl="3"/>
+            <a:r>
+              <a:rPr lang="zh-CN" altLang="en-US" smtClean="0"/>
+              <a:t>第四级</a:t>
+            </a:r>
+          </a:p>
+          <a:p>
+            <a:pPr lvl="4"/>
+            <a:r>
+              <a:rPr lang="zh-CN" altLang="en-US" smtClean="0"/>
+              <a:t>第五级</a:t>
+            </a:r>
+            <a:endParaRPr lang="zh-CN" altLang="en-US"/>
+          </a:p>
+        </p:txBody>
+      </p:sp>
+      <p:sp>
+        <p:nvSpPr>
+          <p:cNvPr id="6" name="页脚占位符 5"/>
+          <p:cNvSpPr>
+            <a:spLocks noGrp="1"/>
+          </p:cNvSpPr>
+          <p:nvPr>
+            <p:ph type="ftr" sz="quarter" idx="4"/>
+          </p:nvPr>
+        </p:nvSpPr>
+        <p:spPr>
+          <a:xfrm>
+            <a:off x="0" y="8685213"/>
+            <a:ext cx="2971800" cy="458787"/>
+          </a:xfrm>
+          <a:prstGeom prst="rect">
+            <a:avLst/>
+          </a:prstGeom>
+        </p:spPr>
+        <p:txBody>
+          <a:bodyPr vert="horz" lIns="91440" tIns="45720" rIns="91440" bIns="45720" rtlCol="0" anchor="b"/>
+          <a:lstStyle>
+            <a:lvl1pPr algn="l">
+              <a:defRPr sz="1200"/>
+            </a:lvl1pPr>
+          </a:lstStyle>
+          <a:p>
+            <a:endParaRPr lang="zh-CN" altLang="en-US"/>
+          </a:p>
+        </p:txBody>
+      </p:sp>
+      <p:sp>
+        <p:nvSpPr>
+          <p:cNvPr id="7" name="灯片编号占位符 6"/>
+          <p:cNvSpPr>
+            <a:spLocks noGrp="1"/>
+          </p:cNvSpPr>
+          <p:nvPr>
+            <p:ph type="sldNum" sz="quarter" idx="5"/>
+          </p:nvPr>
+        </p:nvSpPr>
+        <p:spPr>
+          <a:xfrm>
+            <a:off x="3884613" y="8685213"/>
+            <a:ext cx="2971800" cy="458787"/>
+          </a:xfrm>
+          <a:prstGeom prst="rect">
+            <a:avLst/>
+          </a:prstGeom>
+        </p:spPr>
+        <p:txBody>
+          <a:bodyPr vert="horz" lIns="91440" tIns="45720" rIns="91440" bIns="45720" rtlCol="0" anchor="b"/>
+          <a:lstStyle>
+            <a:lvl1pPr algn="r">
+              <a:defRPr sz="1200"/>
+            </a:lvl1pPr>
+          </a:lstStyle>
+          <a:p>
+            <a:fld id="{EB021054-1B5E-4FBD-BA3A-FE707C376BDF}" type="slidenum">
+              <a:rPr lang="zh-CN" altLang="en-US" smtClean="0"/>
+              <a:t>‹#›</a:t>
+            </a:fld>
+            <a:endParaRPr lang="zh-CN" altLang="en-US"/>
+          </a:p>
+        </p:txBody>
+      </p:sp>
+    </p:spTree>
+    <p:extLst>
+      <p:ext uri="{BB962C8B-B14F-4D97-AF65-F5344CB8AC3E}">
+        <p14:creationId xmlns:p14="http://schemas.microsoft.com/office/powerpoint/2010/main" val="4212763510"/>
+      </p:ext>
+    </p:extLst>
+  </p:cSld>
+  <p:clrMap bg1="lt1" tx1="dk1" bg2="lt2" tx2="dk2" accent1="accent1" accent2="accent2" accent3="accent3" accent4="accent4" accent5="accent5" accent6="accent6" hlink="hlink" folHlink="folHlink"/>
+  <p:notesStyle>
+    <a:lvl1pPr marL="0" algn="l" defTabSz="914400" rtl="0" eaLnBrk="1" latinLnBrk="0" hangingPunct="1">
+      <a:defRPr sz="1200" kern="1200">
+        <a:solidFill>
+          <a:schemeClr val="tx1"/>
+        </a:solidFill>
+        <a:latin typeface="+mn-lt"/>
+        <a:ea typeface="+mn-ea"/>
+        <a:cs typeface="+mn-cs"/>
+      </a:defRPr>
+    </a:lvl1pPr>
+    <a:lvl2pPr marL="457200" algn="l" defTabSz="914400" rtl="0" eaLnBrk="1" latinLnBrk="0" hangingPunct="1">
+      <a:defRPr sz="1200" kern="1200">
+        <a:solidFill>
+          <a:schemeClr val="tx1"/>
+        </a:solidFill>
+        <a:latin typeface="+mn-lt"/>
+        <a:ea typeface="+mn-ea"/>
+        <a:cs typeface="+mn-cs"/>
+      </a:defRPr>
+    </a:lvl2pPr>
+    <a:lvl3pPr marL="914400" algn="l" defTabSz="914400" rtl="0" eaLnBrk="1" latinLnBrk="0" hangingPunct="1">
+      <a:defRPr sz="1200" kern="1200">
+        <a:solidFill>
+          <a:schemeClr val="tx1"/>
+        </a:solidFill>
+        <a:latin typeface="+mn-lt"/>
+        <a:ea typeface="+mn-ea"/>
+        <a:cs typeface="+mn-cs"/>
+      </a:defRPr>
+    </a:lvl3pPr>
+    <a:lvl4pPr marL="1371600" algn="l" defTabSz="914400" rtl="0" eaLnBrk="1" latinLnBrk="0" hangingPunct="1">
+      <a:defRPr sz="1200" kern="1200">
+        <a:solidFill>
+          <a:schemeClr val="tx1"/>
+        </a:solidFill>
+        <a:latin typeface="+mn-lt"/>
+        <a:ea typeface="+mn-ea"/>
+        <a:cs typeface="+mn-cs"/>
+      </a:defRPr>
+    </a:lvl4pPr>
+    <a:lvl5pPr marL="1828800" algn="l" defTabSz="914400" rtl="0" eaLnBrk="1" latinLnBrk="0" hangingPunct="1">
+      <a:defRPr sz="1200" kern="1200">
+        <a:solidFill>
+          <a:schemeClr val="tx1"/>
+        </a:solidFill>
+        <a:latin typeface="+mn-lt"/>
+        <a:ea typeface="+mn-ea"/>
+        <a:cs typeface="+mn-cs"/>
+      </a:defRPr>
+    </a:lvl5pPr>
+    <a:lvl6pPr marL="2286000" algn="l" defTabSz="914400" rtl="0" eaLnBrk="1" latinLnBrk="0" hangingPunct="1">
+      <a:defRPr sz="1200" kern="1200">
+        <a:solidFill>
+          <a:schemeClr val="tx1"/>
+        </a:solidFill>
+        <a:latin typeface="+mn-lt"/>
+        <a:ea typeface="+mn-ea"/>
+        <a:cs typeface="+mn-cs"/>
+      </a:defRPr>
+    </a:lvl6pPr>
+    <a:lvl7pPr marL="2743200" algn="l" defTabSz="914400" rtl="0" eaLnBrk="1" latinLnBrk="0" hangingPunct="1">
+      <a:defRPr sz="1200" kern="1200">
+        <a:solidFill>
+          <a:schemeClr val="tx1"/>
+        </a:solidFill>
+        <a:latin typeface="+mn-lt"/>
+        <a:ea typeface="+mn-ea"/>
+        <a:cs typeface="+mn-cs"/>
+      </a:defRPr>
+    </a:lvl7pPr>
+    <a:lvl8pPr marL="3200400" algn="l" defTabSz="914400" rtl="0" eaLnBrk="1" latinLnBrk="0" hangingPunct="1">
+      <a:defRPr sz="1200" kern="1200">
+        <a:solidFill>
+          <a:schemeClr val="tx1"/>
+        </a:solidFill>
+        <a:latin typeface="+mn-lt"/>
+        <a:ea typeface="+mn-ea"/>
+        <a:cs typeface="+mn-cs"/>
+      </a:defRPr>
+    </a:lvl8pPr>
+    <a:lvl9pPr marL="3657600" algn="l" defTabSz="914400" rtl="0" eaLnBrk="1" latinLnBrk="0" hangingPunct="1">
+      <a:defRPr sz="1200" kern="1200">
+        <a:solidFill>
+          <a:schemeClr val="tx1"/>
+        </a:solidFill>
+        <a:latin typeface="+mn-lt"/>
+        <a:ea typeface="+mn-ea"/>
+        <a:cs typeface="+mn-cs"/>
+      </a:defRPr>
+    </a:lvl9pPr>
+  </p:notesStyle>
+</p:notesMaster>
+</file>
+
+<file path=ppt/notesSlides/notesSlide1.xml><?xml version="1.0" encoding="utf-8"?>
+<p:notes xmlns:a="http://schemas.openxmlformats.org/drawingml/2006/main" xmlns:r="http://schemas.openxmlformats.org/officeDocument/2006/relationships" xmlns:p="http://schemas.openxmlformats.org/presentationml/2006/main">
+  <p:cSld>
+    <p:spTree>
+      <p:nvGrpSpPr>
+        <p:cNvPr id="1" name=""/>
+        <p:cNvGrpSpPr/>
+        <p:nvPr/>
+      </p:nvGrpSpPr>
+      <p:grpSpPr>
+        <a:xfrm>
+          <a:off x="0" y="0"/>
+          <a:ext cx="0" cy="0"/>
+          <a:chOff x="0" y="0"/>
+          <a:chExt cx="0" cy="0"/>
+        </a:xfrm>
+      </p:grpSpPr>
+      <p:sp>
+        <p:nvSpPr>
+          <p:cNvPr id="2" name="幻灯片图像占位符 1"/>
+          <p:cNvSpPr>
+            <a:spLocks noGrp="1" noRot="1" noChangeAspect="1"/>
+          </p:cNvSpPr>
+          <p:nvPr>
+            <p:ph type="sldImg"/>
+          </p:nvPr>
+        </p:nvSpPr>
+        <p:spPr/>
+      </p:sp>
+      <p:sp>
+        <p:nvSpPr>
+          <p:cNvPr id="3" name="备注占位符 2"/>
+          <p:cNvSpPr>
+            <a:spLocks noGrp="1"/>
+          </p:cNvSpPr>
+          <p:nvPr>
+            <p:ph type="body" idx="1"/>
+          </p:nvPr>
+        </p:nvSpPr>
+        <p:spPr/>
+        <p:txBody>
+          <a:bodyPr/>
+          <a:lstStyle/>
+          <a:p>
+            <a:r>
+              <a:rPr lang="en-US" altLang="zh-CN" dirty="0" smtClean="0"/>
+              <a:t>static </a:t>
+            </a:r>
+            <a:r>
+              <a:rPr lang="en-US" altLang="zh-CN" dirty="0" err="1" smtClean="0"/>
+              <a:t>struct</a:t>
+            </a:r>
+            <a:r>
+              <a:rPr lang="en-US" altLang="zh-CN" dirty="0" smtClean="0"/>
+              <a:t> </a:t>
+            </a:r>
+            <a:r>
+              <a:rPr lang="en-US" altLang="zh-CN" dirty="0" err="1" smtClean="0"/>
+              <a:t>cmd_node</a:t>
+            </a:r>
+            <a:r>
+              <a:rPr lang="en-US" altLang="zh-CN" dirty="0" smtClean="0"/>
+              <a:t> </a:t>
+            </a:r>
+            <a:r>
+              <a:rPr lang="en-US" altLang="zh-CN" dirty="0" err="1" smtClean="0"/>
+              <a:t>zebra_node</a:t>
+            </a:r>
+            <a:r>
+              <a:rPr lang="en-US" altLang="zh-CN" dirty="0" smtClean="0"/>
+              <a:t> =</a:t>
+            </a:r>
+          </a:p>
+          <a:p>
+            <a:r>
+              <a:rPr lang="en-US" altLang="zh-CN" dirty="0" smtClean="0"/>
+              <a:t>{</a:t>
+            </a:r>
+          </a:p>
+          <a:p>
+            <a:r>
+              <a:rPr lang="en-US" altLang="zh-CN" dirty="0" smtClean="0"/>
+              <a:t>  ZEBRA_NODE,</a:t>
+            </a:r>
+          </a:p>
+          <a:p>
+            <a:r>
+              <a:rPr lang="en-US" altLang="zh-CN" dirty="0" smtClean="0"/>
+              <a:t>  "%s(</a:t>
+            </a:r>
+            <a:r>
+              <a:rPr lang="en-US" altLang="zh-CN" dirty="0" err="1" smtClean="0"/>
+              <a:t>config</a:t>
+            </a:r>
+            <a:r>
+              <a:rPr lang="en-US" altLang="zh-CN" dirty="0" smtClean="0"/>
+              <a:t>-router)# "</a:t>
+            </a:r>
+          </a:p>
+          <a:p>
+            <a:r>
+              <a:rPr lang="en-US" altLang="zh-CN" dirty="0" smtClean="0"/>
+              <a:t>};</a:t>
+            </a:r>
+            <a:endParaRPr lang="zh-CN" altLang="en-US" dirty="0"/>
+          </a:p>
+        </p:txBody>
+      </p:sp>
+      <p:sp>
+        <p:nvSpPr>
+          <p:cNvPr id="4" name="灯片编号占位符 3"/>
+          <p:cNvSpPr>
+            <a:spLocks noGrp="1"/>
+          </p:cNvSpPr>
+          <p:nvPr>
+            <p:ph type="sldNum" sz="quarter" idx="10"/>
+          </p:nvPr>
+        </p:nvSpPr>
+        <p:spPr/>
+        <p:txBody>
+          <a:bodyPr/>
+          <a:lstStyle/>
+          <a:p>
+            <a:fld id="{EB021054-1B5E-4FBD-BA3A-FE707C376BDF}" type="slidenum">
+              <a:rPr lang="zh-CN" altLang="en-US" smtClean="0"/>
+              <a:t>5</a:t>
+            </a:fld>
+            <a:endParaRPr lang="zh-CN" altLang="en-US"/>
+          </a:p>
+        </p:txBody>
+      </p:sp>
+    </p:spTree>
+    <p:extLst>
+      <p:ext uri="{BB962C8B-B14F-4D97-AF65-F5344CB8AC3E}">
+        <p14:creationId xmlns:p14="http://schemas.microsoft.com/office/powerpoint/2010/main" val="2934780360"/>
+      </p:ext>
+    </p:extLst>
+  </p:cSld>
+  <p:clrMapOvr>
+    <a:masterClrMapping/>
+  </p:clrMapOvr>
+</p:notes>
 </file>
 
 <file path=ppt/slideLayouts/slideLayout1.xml><?xml version="1.0" encoding="utf-8"?>
@@ -238,7 +750,7 @@
           <a:p>
             <a:fld id="{E15F3FAC-2657-4A78-9EA4-DBE9D042DE1A}" type="datetimeFigureOut">
               <a:rPr lang="zh-CN" altLang="en-US" smtClean="0"/>
-              <a:t>2018/3/5</a:t>
+              <a:t>2018/3/6</a:t>
             </a:fld>
             <a:endParaRPr lang="zh-CN" altLang="en-US"/>
           </a:p>
@@ -415,7 +927,7 @@
           <a:p>
             <a:fld id="{E15F3FAC-2657-4A78-9EA4-DBE9D042DE1A}" type="datetimeFigureOut">
               <a:rPr lang="zh-CN" altLang="en-US" smtClean="0"/>
-              <a:t>2018/3/5</a:t>
+              <a:t>2018/3/6</a:t>
             </a:fld>
             <a:endParaRPr lang="zh-CN" altLang="en-US"/>
           </a:p>
@@ -595,7 +1107,7 @@
           <a:p>
             <a:fld id="{E15F3FAC-2657-4A78-9EA4-DBE9D042DE1A}" type="datetimeFigureOut">
               <a:rPr lang="zh-CN" altLang="en-US" smtClean="0"/>
-              <a:t>2018/3/5</a:t>
+              <a:t>2018/3/6</a:t>
             </a:fld>
             <a:endParaRPr lang="zh-CN" altLang="en-US"/>
           </a:p>
@@ -765,7 +1277,7 @@
           <a:p>
             <a:fld id="{E15F3FAC-2657-4A78-9EA4-DBE9D042DE1A}" type="datetimeFigureOut">
               <a:rPr lang="zh-CN" altLang="en-US" smtClean="0"/>
-              <a:t>2018/3/5</a:t>
+              <a:t>2018/3/6</a:t>
             </a:fld>
             <a:endParaRPr lang="zh-CN" altLang="en-US"/>
           </a:p>
@@ -1009,7 +1521,7 @@
           <a:p>
             <a:fld id="{E15F3FAC-2657-4A78-9EA4-DBE9D042DE1A}" type="datetimeFigureOut">
               <a:rPr lang="zh-CN" altLang="en-US" smtClean="0"/>
-              <a:t>2018/3/5</a:t>
+              <a:t>2018/3/6</a:t>
             </a:fld>
             <a:endParaRPr lang="zh-CN" altLang="en-US"/>
           </a:p>
@@ -1241,7 +1753,7 @@
           <a:p>
             <a:fld id="{E15F3FAC-2657-4A78-9EA4-DBE9D042DE1A}" type="datetimeFigureOut">
               <a:rPr lang="zh-CN" altLang="en-US" smtClean="0"/>
-              <a:t>2018/3/5</a:t>
+              <a:t>2018/3/6</a:t>
             </a:fld>
             <a:endParaRPr lang="zh-CN" altLang="en-US"/>
           </a:p>
@@ -1608,7 +2120,7 @@
           <a:p>
             <a:fld id="{E15F3FAC-2657-4A78-9EA4-DBE9D042DE1A}" type="datetimeFigureOut">
               <a:rPr lang="zh-CN" altLang="en-US" smtClean="0"/>
-              <a:t>2018/3/5</a:t>
+              <a:t>2018/3/6</a:t>
             </a:fld>
             <a:endParaRPr lang="zh-CN" altLang="en-US"/>
           </a:p>
@@ -1726,7 +2238,7 @@
           <a:p>
             <a:fld id="{E15F3FAC-2657-4A78-9EA4-DBE9D042DE1A}" type="datetimeFigureOut">
               <a:rPr lang="zh-CN" altLang="en-US" smtClean="0"/>
-              <a:t>2018/3/5</a:t>
+              <a:t>2018/3/6</a:t>
             </a:fld>
             <a:endParaRPr lang="zh-CN" altLang="en-US"/>
           </a:p>
@@ -1821,7 +2333,7 @@
           <a:p>
             <a:fld id="{E15F3FAC-2657-4A78-9EA4-DBE9D042DE1A}" type="datetimeFigureOut">
               <a:rPr lang="zh-CN" altLang="en-US" smtClean="0"/>
-              <a:t>2018/3/5</a:t>
+              <a:t>2018/3/6</a:t>
             </a:fld>
             <a:endParaRPr lang="zh-CN" altLang="en-US"/>
           </a:p>
@@ -2098,7 +2610,7 @@
           <a:p>
             <a:fld id="{E15F3FAC-2657-4A78-9EA4-DBE9D042DE1A}" type="datetimeFigureOut">
               <a:rPr lang="zh-CN" altLang="en-US" smtClean="0"/>
-              <a:t>2018/3/5</a:t>
+              <a:t>2018/3/6</a:t>
             </a:fld>
             <a:endParaRPr lang="zh-CN" altLang="en-US"/>
           </a:p>
@@ -2355,7 +2867,7 @@
           <a:p>
             <a:fld id="{E15F3FAC-2657-4A78-9EA4-DBE9D042DE1A}" type="datetimeFigureOut">
               <a:rPr lang="zh-CN" altLang="en-US" smtClean="0"/>
-              <a:t>2018/3/5</a:t>
+              <a:t>2018/3/6</a:t>
             </a:fld>
             <a:endParaRPr lang="zh-CN" altLang="en-US"/>
           </a:p>
@@ -2568,7 +3080,7 @@
           <a:p>
             <a:fld id="{E15F3FAC-2657-4A78-9EA4-DBE9D042DE1A}" type="datetimeFigureOut">
               <a:rPr lang="zh-CN" altLang="en-US" smtClean="0"/>
-              <a:t>2018/3/5</a:t>
+              <a:t>2018/3/6</a:t>
             </a:fld>
             <a:endParaRPr lang="zh-CN" altLang="en-US"/>
           </a:p>
@@ -3016,10 +3528,10 @@
           <a:lstStyle/>
           <a:p>
             <a:r>
-              <a:rPr lang="en-US" altLang="zh-CN" smtClean="0"/>
+              <a:rPr lang="en-US" altLang="zh-CN" dirty="0" smtClean="0"/>
               <a:t>20180305</a:t>
             </a:r>
-            <a:endParaRPr lang="zh-CN" altLang="en-US"/>
+            <a:endParaRPr lang="zh-CN" altLang="en-US" dirty="0"/>
           </a:p>
         </p:txBody>
       </p:sp>
@@ -3040,6 +3552,2376 @@
       </p:par>
     </p:tnLst>
   </p:timing>
+</p:sld>
+</file>
+
+<file path=ppt/slides/slide10.xml><?xml version="1.0" encoding="utf-8"?>
+<p:sld xmlns:a="http://schemas.openxmlformats.org/drawingml/2006/main" xmlns:r="http://schemas.openxmlformats.org/officeDocument/2006/relationships" xmlns:p="http://schemas.openxmlformats.org/presentationml/2006/main">
+  <p:cSld>
+    <p:spTree>
+      <p:nvGrpSpPr>
+        <p:cNvPr id="1" name=""/>
+        <p:cNvGrpSpPr/>
+        <p:nvPr/>
+      </p:nvGrpSpPr>
+      <p:grpSpPr>
+        <a:xfrm>
+          <a:off x="0" y="0"/>
+          <a:ext cx="0" cy="0"/>
+          <a:chOff x="0" y="0"/>
+          <a:chExt cx="0" cy="0"/>
+        </a:xfrm>
+      </p:grpSpPr>
+      <p:sp>
+        <p:nvSpPr>
+          <p:cNvPr id="2" name="标题 1"/>
+          <p:cNvSpPr>
+            <a:spLocks noGrp="1"/>
+          </p:cNvSpPr>
+          <p:nvPr>
+            <p:ph type="title"/>
+          </p:nvPr>
+        </p:nvSpPr>
+        <p:spPr/>
+        <p:txBody>
+          <a:bodyPr/>
+          <a:lstStyle/>
+          <a:p>
+            <a:r>
+              <a:rPr lang="en-US" altLang="zh-CN" dirty="0" err="1" smtClean="0"/>
+              <a:t>zlog</a:t>
+            </a:r>
+            <a:r>
+              <a:rPr lang="zh-CN" altLang="en-US" dirty="0" smtClean="0"/>
+              <a:t>输出函数</a:t>
+            </a:r>
+            <a:endParaRPr lang="zh-CN" altLang="en-US" dirty="0"/>
+          </a:p>
+        </p:txBody>
+      </p:sp>
+      <p:sp>
+        <p:nvSpPr>
+          <p:cNvPr id="3" name="内容占位符 2"/>
+          <p:cNvSpPr>
+            <a:spLocks noGrp="1"/>
+          </p:cNvSpPr>
+          <p:nvPr>
+            <p:ph idx="1"/>
+          </p:nvPr>
+        </p:nvSpPr>
+        <p:spPr/>
+        <p:txBody>
+          <a:bodyPr>
+            <a:normAutofit/>
+          </a:bodyPr>
+          <a:lstStyle/>
+          <a:p>
+            <a:r>
+              <a:rPr lang="en-US" altLang="zh-CN" sz="1600" dirty="0"/>
+              <a:t>extern void </a:t>
+            </a:r>
+            <a:r>
+              <a:rPr lang="en-US" altLang="zh-CN" sz="1600" dirty="0" err="1"/>
+              <a:t>zlog_err</a:t>
+            </a:r>
+            <a:r>
+              <a:rPr lang="en-US" altLang="zh-CN" sz="1600" dirty="0"/>
+              <a:t> (</a:t>
+            </a:r>
+            <a:r>
+              <a:rPr lang="en-US" altLang="zh-CN" sz="1600" dirty="0" err="1"/>
+              <a:t>const</a:t>
+            </a:r>
+            <a:r>
+              <a:rPr lang="en-US" altLang="zh-CN" sz="1600" dirty="0"/>
+              <a:t> char *format, ...) PRINTF_ATTRIBUTE(1, 2);</a:t>
+            </a:r>
+          </a:p>
+          <a:p>
+            <a:r>
+              <a:rPr lang="en-US" altLang="zh-CN" sz="1600" dirty="0"/>
+              <a:t>extern void </a:t>
+            </a:r>
+            <a:r>
+              <a:rPr lang="en-US" altLang="zh-CN" sz="1600" dirty="0" err="1"/>
+              <a:t>zlog_warn</a:t>
+            </a:r>
+            <a:r>
+              <a:rPr lang="en-US" altLang="zh-CN" sz="1600" dirty="0"/>
+              <a:t> (</a:t>
+            </a:r>
+            <a:r>
+              <a:rPr lang="en-US" altLang="zh-CN" sz="1600" dirty="0" err="1"/>
+              <a:t>const</a:t>
+            </a:r>
+            <a:r>
+              <a:rPr lang="en-US" altLang="zh-CN" sz="1600" dirty="0"/>
+              <a:t> char *format, ...) PRINTF_ATTRIBUTE(1, 2);</a:t>
+            </a:r>
+          </a:p>
+          <a:p>
+            <a:r>
+              <a:rPr lang="en-US" altLang="zh-CN" sz="1600" dirty="0"/>
+              <a:t>extern void </a:t>
+            </a:r>
+            <a:r>
+              <a:rPr lang="en-US" altLang="zh-CN" sz="1600" dirty="0" err="1"/>
+              <a:t>zlog_info</a:t>
+            </a:r>
+            <a:r>
+              <a:rPr lang="en-US" altLang="zh-CN" sz="1600" dirty="0"/>
+              <a:t> (</a:t>
+            </a:r>
+            <a:r>
+              <a:rPr lang="en-US" altLang="zh-CN" sz="1600" dirty="0" err="1"/>
+              <a:t>const</a:t>
+            </a:r>
+            <a:r>
+              <a:rPr lang="en-US" altLang="zh-CN" sz="1600" dirty="0"/>
+              <a:t> char *format, ...) PRINTF_ATTRIBUTE(1, 2);</a:t>
+            </a:r>
+          </a:p>
+          <a:p>
+            <a:r>
+              <a:rPr lang="en-US" altLang="zh-CN" sz="1600" dirty="0"/>
+              <a:t>extern void </a:t>
+            </a:r>
+            <a:r>
+              <a:rPr lang="en-US" altLang="zh-CN" sz="1600" dirty="0" err="1"/>
+              <a:t>zlog_notice</a:t>
+            </a:r>
+            <a:r>
+              <a:rPr lang="en-US" altLang="zh-CN" sz="1600" dirty="0"/>
+              <a:t> (</a:t>
+            </a:r>
+            <a:r>
+              <a:rPr lang="en-US" altLang="zh-CN" sz="1600" dirty="0" err="1"/>
+              <a:t>const</a:t>
+            </a:r>
+            <a:r>
+              <a:rPr lang="en-US" altLang="zh-CN" sz="1600" dirty="0"/>
+              <a:t> char *format, ...) PRINTF_ATTRIBUTE(1, 2);</a:t>
+            </a:r>
+          </a:p>
+          <a:p>
+            <a:r>
+              <a:rPr lang="en-US" altLang="zh-CN" sz="1600" dirty="0"/>
+              <a:t>extern void </a:t>
+            </a:r>
+            <a:r>
+              <a:rPr lang="en-US" altLang="zh-CN" sz="1600" dirty="0" err="1"/>
+              <a:t>zlog_debug</a:t>
+            </a:r>
+            <a:r>
+              <a:rPr lang="en-US" altLang="zh-CN" sz="1600" dirty="0"/>
+              <a:t> (</a:t>
+            </a:r>
+            <a:r>
+              <a:rPr lang="en-US" altLang="zh-CN" sz="1600" dirty="0" err="1"/>
+              <a:t>const</a:t>
+            </a:r>
+            <a:r>
+              <a:rPr lang="en-US" altLang="zh-CN" sz="1600" dirty="0"/>
+              <a:t> char *format, ...) PRINTF_ATTRIBUTE(1, 2);</a:t>
+            </a:r>
+            <a:endParaRPr lang="zh-CN" altLang="en-US" sz="1600" dirty="0"/>
+          </a:p>
+        </p:txBody>
+      </p:sp>
+    </p:spTree>
+    <p:extLst>
+      <p:ext uri="{BB962C8B-B14F-4D97-AF65-F5344CB8AC3E}">
+        <p14:creationId xmlns:p14="http://schemas.microsoft.com/office/powerpoint/2010/main" val="493331326"/>
+      </p:ext>
+    </p:extLst>
+  </p:cSld>
+  <p:clrMapOvr>
+    <a:masterClrMapping/>
+  </p:clrMapOvr>
+</p:sld>
+</file>
+
+<file path=ppt/slides/slide11.xml><?xml version="1.0" encoding="utf-8"?>
+<p:sld xmlns:a="http://schemas.openxmlformats.org/drawingml/2006/main" xmlns:r="http://schemas.openxmlformats.org/officeDocument/2006/relationships" xmlns:p="http://schemas.openxmlformats.org/presentationml/2006/main">
+  <p:cSld>
+    <p:spTree>
+      <p:nvGrpSpPr>
+        <p:cNvPr id="1" name=""/>
+        <p:cNvGrpSpPr/>
+        <p:nvPr/>
+      </p:nvGrpSpPr>
+      <p:grpSpPr>
+        <a:xfrm>
+          <a:off x="0" y="0"/>
+          <a:ext cx="0" cy="0"/>
+          <a:chOff x="0" y="0"/>
+          <a:chExt cx="0" cy="0"/>
+        </a:xfrm>
+      </p:grpSpPr>
+      <p:sp>
+        <p:nvSpPr>
+          <p:cNvPr id="2" name="标题 1"/>
+          <p:cNvSpPr>
+            <a:spLocks noGrp="1"/>
+          </p:cNvSpPr>
+          <p:nvPr>
+            <p:ph type="title"/>
+          </p:nvPr>
+        </p:nvSpPr>
+        <p:spPr/>
+        <p:txBody>
+          <a:bodyPr/>
+          <a:lstStyle/>
+          <a:p>
+            <a:r>
+              <a:rPr lang="en-US" altLang="zh-CN" dirty="0" smtClean="0"/>
+              <a:t>Next plan</a:t>
+            </a:r>
+            <a:endParaRPr lang="zh-CN" altLang="en-US" dirty="0"/>
+          </a:p>
+        </p:txBody>
+      </p:sp>
+      <p:sp>
+        <p:nvSpPr>
+          <p:cNvPr id="3" name="内容占位符 2"/>
+          <p:cNvSpPr>
+            <a:spLocks noGrp="1"/>
+          </p:cNvSpPr>
+          <p:nvPr>
+            <p:ph idx="1"/>
+          </p:nvPr>
+        </p:nvSpPr>
+        <p:spPr/>
+        <p:txBody>
+          <a:bodyPr/>
+          <a:lstStyle/>
+          <a:p>
+            <a:r>
+              <a:rPr lang="zh-CN" altLang="en-US" dirty="0" smtClean="0"/>
+              <a:t>周四</a:t>
+            </a:r>
+            <a:endParaRPr lang="en-US" altLang="zh-CN" dirty="0" smtClean="0"/>
+          </a:p>
+          <a:p>
+            <a:pPr lvl="1"/>
+            <a:r>
+              <a:rPr lang="zh-CN" altLang="en-US" dirty="0"/>
+              <a:t>改</a:t>
+            </a:r>
+            <a:r>
+              <a:rPr lang="zh-CN" altLang="en-US" dirty="0" smtClean="0"/>
+              <a:t>代码实现</a:t>
+            </a:r>
+            <a:r>
+              <a:rPr lang="en-US" altLang="zh-CN" dirty="0" err="1" smtClean="0"/>
+              <a:t>ebgp</a:t>
+            </a:r>
+            <a:r>
+              <a:rPr lang="zh-CN" altLang="en-US" dirty="0" smtClean="0"/>
+              <a:t>和</a:t>
+            </a:r>
+            <a:r>
+              <a:rPr lang="en-US" altLang="zh-CN" dirty="0" err="1" smtClean="0"/>
+              <a:t>ibgp</a:t>
+            </a:r>
+            <a:r>
+              <a:rPr lang="zh-CN" altLang="en-US" dirty="0" smtClean="0"/>
+              <a:t>转发框架</a:t>
+            </a:r>
+            <a:endParaRPr lang="en-US" altLang="zh-CN" dirty="0" smtClean="0"/>
+          </a:p>
+          <a:p>
+            <a:pPr lvl="1"/>
+            <a:r>
+              <a:rPr lang="zh-CN" altLang="en-US" dirty="0"/>
+              <a:t>集中</a:t>
+            </a:r>
+            <a:r>
+              <a:rPr lang="zh-CN" altLang="en-US" dirty="0" smtClean="0"/>
+              <a:t>平台了解</a:t>
+            </a:r>
+            <a:r>
+              <a:rPr lang="en-US" altLang="zh-CN" dirty="0" smtClean="0"/>
+              <a:t>quagga</a:t>
+            </a:r>
+            <a:r>
+              <a:rPr lang="zh-CN" altLang="en-US" dirty="0" smtClean="0"/>
+              <a:t>的路由表怎么实现</a:t>
+            </a:r>
+            <a:endParaRPr lang="en-US" altLang="zh-CN" dirty="0" smtClean="0"/>
+          </a:p>
+          <a:p>
+            <a:pPr lvl="1"/>
+            <a:r>
+              <a:rPr lang="zh-CN" altLang="en-US" dirty="0" smtClean="0"/>
+              <a:t>设计方案怎么实现集中平台路由存储</a:t>
+            </a:r>
+            <a:endParaRPr lang="zh-CN" altLang="en-US" dirty="0"/>
+          </a:p>
+        </p:txBody>
+      </p:sp>
+    </p:spTree>
+    <p:extLst>
+      <p:ext uri="{BB962C8B-B14F-4D97-AF65-F5344CB8AC3E}">
+        <p14:creationId xmlns:p14="http://schemas.microsoft.com/office/powerpoint/2010/main" val="1889957972"/>
+      </p:ext>
+    </p:extLst>
+  </p:cSld>
+  <p:clrMapOvr>
+    <a:masterClrMapping/>
+  </p:clrMapOvr>
+</p:sld>
+</file>
+
+<file path=ppt/slides/slide2.xml><?xml version="1.0" encoding="utf-8"?>
+<p:sld xmlns:a="http://schemas.openxmlformats.org/drawingml/2006/main" xmlns:r="http://schemas.openxmlformats.org/officeDocument/2006/relationships" xmlns:p="http://schemas.openxmlformats.org/presentationml/2006/main">
+  <p:cSld>
+    <p:spTree>
+      <p:nvGrpSpPr>
+        <p:cNvPr id="1" name=""/>
+        <p:cNvGrpSpPr/>
+        <p:nvPr/>
+      </p:nvGrpSpPr>
+      <p:grpSpPr>
+        <a:xfrm>
+          <a:off x="0" y="0"/>
+          <a:ext cx="0" cy="0"/>
+          <a:chOff x="0" y="0"/>
+          <a:chExt cx="0" cy="0"/>
+        </a:xfrm>
+      </p:grpSpPr>
+      <p:sp>
+        <p:nvSpPr>
+          <p:cNvPr id="2" name="标题 1"/>
+          <p:cNvSpPr>
+            <a:spLocks noGrp="1"/>
+          </p:cNvSpPr>
+          <p:nvPr>
+            <p:ph type="title"/>
+          </p:nvPr>
+        </p:nvSpPr>
+        <p:spPr/>
+        <p:txBody>
+          <a:bodyPr/>
+          <a:lstStyle/>
+          <a:p>
+            <a:r>
+              <a:rPr lang="zh-CN" altLang="en-US" dirty="0" smtClean="0"/>
+              <a:t>目录</a:t>
+            </a:r>
+            <a:endParaRPr lang="zh-CN" altLang="en-US" dirty="0"/>
+          </a:p>
+        </p:txBody>
+      </p:sp>
+      <p:sp>
+        <p:nvSpPr>
+          <p:cNvPr id="3" name="内容占位符 2"/>
+          <p:cNvSpPr>
+            <a:spLocks noGrp="1"/>
+          </p:cNvSpPr>
+          <p:nvPr>
+            <p:ph idx="1"/>
+          </p:nvPr>
+        </p:nvSpPr>
+        <p:spPr/>
+        <p:txBody>
+          <a:bodyPr/>
+          <a:lstStyle/>
+          <a:p>
+            <a:r>
+              <a:rPr lang="en-US" altLang="zh-CN" dirty="0" smtClean="0"/>
+              <a:t>Quagga</a:t>
+            </a:r>
+          </a:p>
+          <a:p>
+            <a:pPr lvl="1"/>
+            <a:r>
+              <a:rPr lang="zh-CN" altLang="en-US" dirty="0" smtClean="0"/>
+              <a:t>源码编译安装运行</a:t>
+            </a:r>
+            <a:endParaRPr lang="en-US" altLang="zh-CN" dirty="0" smtClean="0"/>
+          </a:p>
+          <a:p>
+            <a:pPr lvl="1"/>
+            <a:r>
+              <a:rPr lang="zh-CN" altLang="en-US" dirty="0" smtClean="0"/>
+              <a:t>测试输出函数</a:t>
+            </a:r>
+            <a:endParaRPr lang="en-US" altLang="zh-CN" dirty="0" smtClean="0"/>
+          </a:p>
+          <a:p>
+            <a:pPr lvl="2"/>
+            <a:r>
+              <a:rPr lang="zh-CN" altLang="en-US" dirty="0" smtClean="0"/>
+              <a:t>例如：</a:t>
+            </a:r>
+            <a:r>
+              <a:rPr lang="en-US" altLang="zh-CN" dirty="0" err="1" smtClean="0"/>
+              <a:t>zlog_info</a:t>
+            </a:r>
+            <a:endParaRPr lang="en-US" altLang="zh-CN" dirty="0"/>
+          </a:p>
+          <a:p>
+            <a:pPr lvl="1"/>
+            <a:r>
+              <a:rPr lang="zh-CN" altLang="en-US" dirty="0"/>
+              <a:t>整体</a:t>
+            </a:r>
+            <a:r>
+              <a:rPr lang="zh-CN" altLang="en-US" dirty="0" smtClean="0"/>
+              <a:t>模块</a:t>
+            </a:r>
+            <a:endParaRPr lang="en-US" altLang="zh-CN" dirty="0" smtClean="0"/>
+          </a:p>
+          <a:p>
+            <a:pPr lvl="1"/>
+            <a:r>
+              <a:rPr lang="en-US" altLang="zh-CN" dirty="0" smtClean="0"/>
+              <a:t>BGP</a:t>
+            </a:r>
+            <a:r>
+              <a:rPr lang="zh-CN" altLang="en-US" dirty="0" smtClean="0"/>
+              <a:t>模块</a:t>
+            </a:r>
+            <a:endParaRPr lang="en-US" altLang="zh-CN" dirty="0" smtClean="0"/>
+          </a:p>
+          <a:p>
+            <a:r>
+              <a:rPr lang="zh-CN" altLang="en-US" dirty="0" smtClean="0"/>
+              <a:t>工作</a:t>
+            </a:r>
+            <a:r>
+              <a:rPr lang="zh-CN" altLang="en-US" dirty="0" smtClean="0"/>
+              <a:t>推进</a:t>
+            </a:r>
+            <a:r>
+              <a:rPr lang="zh-CN" altLang="en-US" dirty="0"/>
+              <a:t>步骤</a:t>
+            </a:r>
+            <a:endParaRPr lang="en-US" altLang="zh-CN" dirty="0" smtClean="0"/>
+          </a:p>
+          <a:p>
+            <a:pPr lvl="1"/>
+            <a:r>
+              <a:rPr lang="zh-CN" altLang="en-US" dirty="0"/>
+              <a:t>拓扑</a:t>
+            </a:r>
+          </a:p>
+        </p:txBody>
+      </p:sp>
+    </p:spTree>
+    <p:extLst>
+      <p:ext uri="{BB962C8B-B14F-4D97-AF65-F5344CB8AC3E}">
+        <p14:creationId xmlns:p14="http://schemas.microsoft.com/office/powerpoint/2010/main" val="857490841"/>
+      </p:ext>
+    </p:extLst>
+  </p:cSld>
+  <p:clrMapOvr>
+    <a:masterClrMapping/>
+  </p:clrMapOvr>
+  <p:timing>
+    <p:tnLst>
+      <p:par>
+        <p:cTn id="1" dur="indefinite" restart="never" nodeType="tmRoot"/>
+      </p:par>
+    </p:tnLst>
+  </p:timing>
+</p:sld>
+</file>
+
+<file path=ppt/slides/slide3.xml><?xml version="1.0" encoding="utf-8"?>
+<p:sld xmlns:a="http://schemas.openxmlformats.org/drawingml/2006/main" xmlns:r="http://schemas.openxmlformats.org/officeDocument/2006/relationships" xmlns:p="http://schemas.openxmlformats.org/presentationml/2006/main">
+  <p:cSld>
+    <p:spTree>
+      <p:nvGrpSpPr>
+        <p:cNvPr id="1" name=""/>
+        <p:cNvGrpSpPr/>
+        <p:nvPr/>
+      </p:nvGrpSpPr>
+      <p:grpSpPr>
+        <a:xfrm>
+          <a:off x="0" y="0"/>
+          <a:ext cx="0" cy="0"/>
+          <a:chOff x="0" y="0"/>
+          <a:chExt cx="0" cy="0"/>
+        </a:xfrm>
+      </p:grpSpPr>
+      <p:sp>
+        <p:nvSpPr>
+          <p:cNvPr id="2" name="标题 1"/>
+          <p:cNvSpPr>
+            <a:spLocks noGrp="1"/>
+          </p:cNvSpPr>
+          <p:nvPr>
+            <p:ph type="title"/>
+          </p:nvPr>
+        </p:nvSpPr>
+        <p:spPr/>
+        <p:txBody>
+          <a:bodyPr/>
+          <a:lstStyle/>
+          <a:p>
+            <a:r>
+              <a:rPr lang="zh-CN" altLang="en-US" dirty="0"/>
+              <a:t>整体模块</a:t>
+            </a:r>
+          </a:p>
+        </p:txBody>
+      </p:sp>
+      <p:sp>
+        <p:nvSpPr>
+          <p:cNvPr id="3" name="内容占位符 2"/>
+          <p:cNvSpPr>
+            <a:spLocks noGrp="1"/>
+          </p:cNvSpPr>
+          <p:nvPr>
+            <p:ph idx="1"/>
+          </p:nvPr>
+        </p:nvSpPr>
+        <p:spPr/>
+        <p:txBody>
+          <a:bodyPr>
+            <a:normAutofit lnSpcReduction="10000"/>
+          </a:bodyPr>
+          <a:lstStyle/>
+          <a:p>
+            <a:r>
+              <a:rPr lang="en-US" altLang="zh-CN" dirty="0" smtClean="0"/>
+              <a:t>Zebra</a:t>
+            </a:r>
+          </a:p>
+          <a:p>
+            <a:pPr lvl="1"/>
+            <a:r>
+              <a:rPr lang="zh-CN" altLang="en-US" dirty="0"/>
+              <a:t>底层接口</a:t>
+            </a:r>
+            <a:endParaRPr lang="en-US" altLang="zh-CN" dirty="0" smtClean="0"/>
+          </a:p>
+          <a:p>
+            <a:r>
+              <a:rPr lang="en-US" altLang="zh-CN" dirty="0" err="1" smtClean="0"/>
+              <a:t>Bgpd</a:t>
+            </a:r>
+            <a:endParaRPr lang="en-US" altLang="zh-CN" dirty="0" smtClean="0"/>
+          </a:p>
+          <a:p>
+            <a:r>
+              <a:rPr lang="en-US" altLang="zh-CN" dirty="0" err="1"/>
+              <a:t>v</a:t>
+            </a:r>
+            <a:r>
+              <a:rPr lang="en-US" altLang="zh-CN" dirty="0" err="1" smtClean="0"/>
+              <a:t>tysh</a:t>
+            </a:r>
+            <a:endParaRPr lang="en-US" altLang="zh-CN" dirty="0" smtClean="0"/>
+          </a:p>
+          <a:p>
+            <a:pPr lvl="1"/>
+            <a:r>
+              <a:rPr lang="zh-CN" altLang="en-US" dirty="0"/>
+              <a:t>与其</a:t>
+            </a:r>
+            <a:r>
+              <a:rPr lang="zh-CN" altLang="en-US" dirty="0" smtClean="0"/>
+              <a:t>他守护进行通过</a:t>
+            </a:r>
+            <a:r>
+              <a:rPr lang="en-US" altLang="zh-CN" dirty="0" smtClean="0"/>
+              <a:t>socket</a:t>
+            </a:r>
+            <a:r>
+              <a:rPr lang="zh-CN" altLang="en-US" dirty="0" smtClean="0"/>
+              <a:t>通信</a:t>
+            </a:r>
+            <a:endParaRPr lang="en-US" altLang="zh-CN" dirty="0" smtClean="0"/>
+          </a:p>
+          <a:p>
+            <a:pPr lvl="1"/>
+            <a:r>
+              <a:rPr lang="zh-CN" altLang="en-US" dirty="0" smtClean="0"/>
+              <a:t>在</a:t>
+            </a:r>
+            <a:r>
+              <a:rPr lang="en-US" altLang="zh-CN" dirty="0" smtClean="0"/>
+              <a:t>telnet localhost</a:t>
+            </a:r>
+            <a:r>
+              <a:rPr lang="zh-CN" altLang="en-US" dirty="0" smtClean="0"/>
+              <a:t>中输入的命令到</a:t>
+            </a:r>
+            <a:r>
+              <a:rPr lang="en-US" altLang="zh-CN" dirty="0" err="1" smtClean="0"/>
+              <a:t>vtysh</a:t>
+            </a:r>
+            <a:r>
+              <a:rPr lang="zh-CN" altLang="en-US" dirty="0" smtClean="0"/>
+              <a:t>。</a:t>
+            </a:r>
+            <a:r>
+              <a:rPr lang="en-US" altLang="zh-CN" dirty="0" err="1"/>
+              <a:t>v</a:t>
+            </a:r>
+            <a:r>
+              <a:rPr lang="en-US" altLang="zh-CN" dirty="0" err="1" smtClean="0"/>
+              <a:t>tysh</a:t>
+            </a:r>
+            <a:r>
+              <a:rPr lang="zh-CN" altLang="en-US" dirty="0" smtClean="0"/>
+              <a:t>通过</a:t>
+            </a:r>
+            <a:r>
+              <a:rPr lang="en-US" altLang="zh-CN" dirty="0" smtClean="0"/>
+              <a:t>socket</a:t>
+            </a:r>
+            <a:r>
+              <a:rPr lang="zh-CN" altLang="en-US" dirty="0" smtClean="0"/>
+              <a:t>发给相应的后台进行处理</a:t>
+            </a:r>
+            <a:r>
+              <a:rPr lang="en-US" altLang="zh-CN" dirty="0" smtClean="0"/>
+              <a:t> </a:t>
+            </a:r>
+            <a:endParaRPr lang="en-US" altLang="zh-CN" dirty="0" smtClean="0"/>
+          </a:p>
+          <a:p>
+            <a:r>
+              <a:rPr lang="en-US" altLang="zh-CN" dirty="0" smtClean="0"/>
+              <a:t>Thread</a:t>
+            </a:r>
+          </a:p>
+          <a:p>
+            <a:pPr lvl="1"/>
+            <a:r>
+              <a:rPr lang="zh-CN" altLang="en-US" dirty="0" smtClean="0"/>
+              <a:t>每一个</a:t>
+            </a:r>
+            <a:r>
+              <a:rPr lang="en-US" altLang="zh-CN" dirty="0" smtClean="0"/>
+              <a:t>main</a:t>
+            </a:r>
+            <a:r>
+              <a:rPr lang="zh-CN" altLang="en-US" dirty="0" smtClean="0"/>
+              <a:t>函数均有以下代码：线程调度和调用</a:t>
+            </a:r>
+            <a:endParaRPr lang="en-US" altLang="zh-CN" dirty="0" smtClean="0"/>
+          </a:p>
+          <a:p>
+            <a:pPr lvl="1"/>
+            <a:r>
+              <a:rPr lang="en-US" altLang="zh-CN" dirty="0" smtClean="0"/>
+              <a:t>while </a:t>
+            </a:r>
+            <a:r>
+              <a:rPr lang="en-US" altLang="zh-CN" dirty="0"/>
+              <a:t>(</a:t>
+            </a:r>
+            <a:r>
+              <a:rPr lang="en-US" altLang="zh-CN" dirty="0" err="1"/>
+              <a:t>thread_fetch</a:t>
+            </a:r>
+            <a:r>
+              <a:rPr lang="en-US" altLang="zh-CN" dirty="0"/>
+              <a:t> (</a:t>
+            </a:r>
+            <a:r>
+              <a:rPr lang="en-US" altLang="zh-CN" dirty="0" err="1"/>
+              <a:t>bm</a:t>
+            </a:r>
+            <a:r>
+              <a:rPr lang="en-US" altLang="zh-CN" dirty="0"/>
+              <a:t>-&gt;master, &amp;thread))</a:t>
+            </a:r>
+          </a:p>
+          <a:p>
+            <a:pPr lvl="1"/>
+            <a:r>
+              <a:rPr lang="en-US" altLang="zh-CN" dirty="0"/>
+              <a:t> </a:t>
+            </a:r>
+            <a:r>
+              <a:rPr lang="en-US" altLang="zh-CN" dirty="0" smtClean="0"/>
+              <a:t>   </a:t>
+            </a:r>
+            <a:r>
+              <a:rPr lang="en-US" altLang="zh-CN" dirty="0" err="1" smtClean="0"/>
+              <a:t>thread_call</a:t>
+            </a:r>
+            <a:r>
+              <a:rPr lang="en-US" altLang="zh-CN" dirty="0" smtClean="0"/>
+              <a:t> </a:t>
+            </a:r>
+            <a:r>
+              <a:rPr lang="en-US" altLang="zh-CN" dirty="0"/>
+              <a:t>(&amp;thread);</a:t>
+            </a:r>
+            <a:endParaRPr lang="zh-CN" altLang="en-US" dirty="0"/>
+          </a:p>
+        </p:txBody>
+      </p:sp>
+      <p:pic>
+        <p:nvPicPr>
+          <p:cNvPr id="5" name="图片 4"/>
+          <p:cNvPicPr>
+            <a:picLocks noChangeAspect="1"/>
+          </p:cNvPicPr>
+          <p:nvPr/>
+        </p:nvPicPr>
+        <p:blipFill>
+          <a:blip r:embed="rId2"/>
+          <a:stretch>
+            <a:fillRect/>
+          </a:stretch>
+        </p:blipFill>
+        <p:spPr>
+          <a:xfrm>
+            <a:off x="5315767" y="170499"/>
+            <a:ext cx="3463997" cy="2479493"/>
+          </a:xfrm>
+          <a:prstGeom prst="rect">
+            <a:avLst/>
+          </a:prstGeom>
+        </p:spPr>
+      </p:pic>
+    </p:spTree>
+    <p:extLst>
+      <p:ext uri="{BB962C8B-B14F-4D97-AF65-F5344CB8AC3E}">
+        <p14:creationId xmlns:p14="http://schemas.microsoft.com/office/powerpoint/2010/main" val="955378263"/>
+      </p:ext>
+    </p:extLst>
+  </p:cSld>
+  <p:clrMapOvr>
+    <a:masterClrMapping/>
+  </p:clrMapOvr>
+</p:sld>
+</file>
+
+<file path=ppt/slides/slide4.xml><?xml version="1.0" encoding="utf-8"?>
+<p:sld xmlns:a="http://schemas.openxmlformats.org/drawingml/2006/main" xmlns:r="http://schemas.openxmlformats.org/officeDocument/2006/relationships" xmlns:p="http://schemas.openxmlformats.org/presentationml/2006/main">
+  <p:cSld>
+    <p:spTree>
+      <p:nvGrpSpPr>
+        <p:cNvPr id="1" name=""/>
+        <p:cNvGrpSpPr/>
+        <p:nvPr/>
+      </p:nvGrpSpPr>
+      <p:grpSpPr>
+        <a:xfrm>
+          <a:off x="0" y="0"/>
+          <a:ext cx="0" cy="0"/>
+          <a:chOff x="0" y="0"/>
+          <a:chExt cx="0" cy="0"/>
+        </a:xfrm>
+      </p:grpSpPr>
+      <p:sp>
+        <p:nvSpPr>
+          <p:cNvPr id="2" name="标题 1"/>
+          <p:cNvSpPr>
+            <a:spLocks noGrp="1"/>
+          </p:cNvSpPr>
+          <p:nvPr>
+            <p:ph type="title"/>
+          </p:nvPr>
+        </p:nvSpPr>
+        <p:spPr/>
+        <p:txBody>
+          <a:bodyPr/>
+          <a:lstStyle/>
+          <a:p>
+            <a:r>
+              <a:rPr lang="en-US" altLang="zh-CN" dirty="0" smtClean="0"/>
+              <a:t>zebra</a:t>
+            </a:r>
+            <a:endParaRPr lang="zh-CN" altLang="en-US" dirty="0"/>
+          </a:p>
+        </p:txBody>
+      </p:sp>
+      <p:sp>
+        <p:nvSpPr>
+          <p:cNvPr id="3" name="内容占位符 2"/>
+          <p:cNvSpPr>
+            <a:spLocks noGrp="1"/>
+          </p:cNvSpPr>
+          <p:nvPr>
+            <p:ph idx="1"/>
+          </p:nvPr>
+        </p:nvSpPr>
+        <p:spPr/>
+        <p:txBody>
+          <a:bodyPr>
+            <a:normAutofit lnSpcReduction="10000"/>
+          </a:bodyPr>
+          <a:lstStyle/>
+          <a:p>
+            <a:r>
+              <a:rPr lang="zh-CN" altLang="en-US" dirty="0" smtClean="0"/>
+              <a:t>其他协议进程的服务端</a:t>
+            </a:r>
+            <a:endParaRPr lang="en-US" altLang="zh-CN" dirty="0"/>
+          </a:p>
+          <a:p>
+            <a:r>
+              <a:rPr lang="zh-CN" altLang="en-US" dirty="0" smtClean="0"/>
+              <a:t>与其他协议</a:t>
+            </a:r>
+            <a:r>
+              <a:rPr lang="en-US" altLang="zh-CN" dirty="0" smtClean="0"/>
+              <a:t>thread</a:t>
+            </a:r>
+            <a:r>
+              <a:rPr lang="zh-CN" altLang="en-US" dirty="0" smtClean="0"/>
+              <a:t>线程调度</a:t>
+            </a:r>
+            <a:endParaRPr lang="en-US" altLang="zh-CN" dirty="0" smtClean="0"/>
+          </a:p>
+          <a:p>
+            <a:r>
+              <a:rPr lang="zh-CN" altLang="en-US" dirty="0" smtClean="0"/>
+              <a:t>监听</a:t>
+            </a:r>
+            <a:r>
+              <a:rPr lang="en-US" altLang="zh-CN" dirty="0" smtClean="0"/>
+              <a:t>socket</a:t>
+            </a:r>
+            <a:r>
+              <a:rPr lang="zh-CN" altLang="en-US" dirty="0" smtClean="0"/>
+              <a:t>，接收客户端发送过来的路由信息</a:t>
+            </a:r>
+            <a:endParaRPr lang="en-US" altLang="zh-CN" dirty="0" smtClean="0"/>
+          </a:p>
+          <a:p>
+            <a:pPr lvl="1"/>
+            <a:r>
+              <a:rPr lang="en-US" altLang="zh-CN" dirty="0" err="1" smtClean="0"/>
+              <a:t>rib_init</a:t>
+            </a:r>
+            <a:r>
+              <a:rPr lang="en-US" altLang="zh-CN" dirty="0" smtClean="0"/>
+              <a:t>()</a:t>
+            </a:r>
+          </a:p>
+          <a:p>
+            <a:pPr lvl="1"/>
+            <a:r>
+              <a:rPr lang="en-US" altLang="zh-CN" dirty="0" err="1" smtClean="0"/>
+              <a:t>meta_queue_process</a:t>
+            </a:r>
+            <a:r>
+              <a:rPr lang="en-US" altLang="zh-CN" dirty="0" smtClean="0"/>
+              <a:t>() //</a:t>
+            </a:r>
+            <a:r>
+              <a:rPr lang="zh-CN" altLang="en-US" dirty="0" smtClean="0"/>
+              <a:t>收到的路由信息放入队列</a:t>
+            </a:r>
+            <a:endParaRPr lang="en-US" altLang="zh-CN" dirty="0" smtClean="0"/>
+          </a:p>
+          <a:p>
+            <a:pPr lvl="2"/>
+            <a:r>
+              <a:rPr lang="en-US" altLang="zh-CN" dirty="0" err="1" smtClean="0"/>
+              <a:t>Process_subq</a:t>
+            </a:r>
+            <a:r>
+              <a:rPr lang="en-US" altLang="zh-CN" dirty="0" smtClean="0"/>
+              <a:t>()</a:t>
+            </a:r>
+          </a:p>
+          <a:p>
+            <a:pPr lvl="3"/>
+            <a:r>
+              <a:rPr lang="en-US" altLang="zh-CN" dirty="0" err="1"/>
+              <a:t>r</a:t>
+            </a:r>
+            <a:r>
+              <a:rPr lang="en-US" altLang="zh-CN" dirty="0" err="1" smtClean="0"/>
+              <a:t>ib_process</a:t>
+            </a:r>
+            <a:r>
+              <a:rPr lang="en-US" altLang="zh-CN" dirty="0" smtClean="0"/>
+              <a:t>()</a:t>
+            </a:r>
+          </a:p>
+          <a:p>
+            <a:pPr lvl="4"/>
+            <a:r>
+              <a:rPr lang="en-US" altLang="zh-CN" dirty="0" err="1" smtClean="0"/>
+              <a:t>rib_choose_best</a:t>
+            </a:r>
+            <a:r>
+              <a:rPr lang="en-US" altLang="zh-CN" dirty="0" smtClean="0"/>
+              <a:t>()</a:t>
+            </a:r>
+          </a:p>
+          <a:p>
+            <a:pPr lvl="4"/>
+            <a:r>
+              <a:rPr lang="en-US" altLang="zh-CN" dirty="0" err="1" smtClean="0"/>
+              <a:t>rib_update_kernel</a:t>
+            </a:r>
+            <a:r>
+              <a:rPr lang="en-US" altLang="zh-CN" dirty="0" smtClean="0"/>
+              <a:t>()</a:t>
+            </a:r>
+          </a:p>
+          <a:p>
+            <a:r>
+              <a:rPr lang="zh-CN" altLang="en-US" dirty="0" smtClean="0"/>
+              <a:t>入口函数</a:t>
+            </a:r>
+            <a:r>
+              <a:rPr lang="en-US" altLang="zh-CN" dirty="0" err="1" smtClean="0"/>
+              <a:t>main.c</a:t>
+            </a:r>
+            <a:r>
+              <a:rPr lang="en-US" altLang="zh-CN" dirty="0" smtClean="0"/>
+              <a:t> (zebra\)</a:t>
+            </a:r>
+          </a:p>
+          <a:p>
+            <a:pPr lvl="1"/>
+            <a:r>
+              <a:rPr lang="en-US" altLang="zh-CN" dirty="0" err="1" smtClean="0"/>
+              <a:t>Vty_read_config</a:t>
+            </a:r>
+            <a:r>
+              <a:rPr lang="en-US" altLang="zh-CN" dirty="0" smtClean="0"/>
+              <a:t>()</a:t>
+            </a:r>
+          </a:p>
+          <a:p>
+            <a:pPr marL="0" indent="0">
+              <a:buNone/>
+            </a:pPr>
+            <a:endParaRPr lang="en-US" altLang="zh-CN" dirty="0" smtClean="0"/>
+          </a:p>
+          <a:p>
+            <a:pPr lvl="3"/>
+            <a:endParaRPr lang="en-US" altLang="zh-CN" dirty="0" smtClean="0"/>
+          </a:p>
+          <a:p>
+            <a:pPr lvl="1"/>
+            <a:endParaRPr lang="en-US" altLang="zh-CN" dirty="0" smtClean="0"/>
+          </a:p>
+          <a:p>
+            <a:pPr lvl="1"/>
+            <a:endParaRPr lang="zh-CN" altLang="en-US" dirty="0"/>
+          </a:p>
+        </p:txBody>
+      </p:sp>
+    </p:spTree>
+    <p:extLst>
+      <p:ext uri="{BB962C8B-B14F-4D97-AF65-F5344CB8AC3E}">
+        <p14:creationId xmlns:p14="http://schemas.microsoft.com/office/powerpoint/2010/main" val="1613696575"/>
+      </p:ext>
+    </p:extLst>
+  </p:cSld>
+  <p:clrMapOvr>
+    <a:masterClrMapping/>
+  </p:clrMapOvr>
+</p:sld>
+</file>
+
+<file path=ppt/slides/slide5.xml><?xml version="1.0" encoding="utf-8"?>
+<p:sld xmlns:a="http://schemas.openxmlformats.org/drawingml/2006/main" xmlns:r="http://schemas.openxmlformats.org/officeDocument/2006/relationships" xmlns:p="http://schemas.openxmlformats.org/presentationml/2006/main">
+  <p:cSld>
+    <p:spTree>
+      <p:nvGrpSpPr>
+        <p:cNvPr id="1" name=""/>
+        <p:cNvGrpSpPr/>
+        <p:nvPr/>
+      </p:nvGrpSpPr>
+      <p:grpSpPr>
+        <a:xfrm>
+          <a:off x="0" y="0"/>
+          <a:ext cx="0" cy="0"/>
+          <a:chOff x="0" y="0"/>
+          <a:chExt cx="0" cy="0"/>
+        </a:xfrm>
+      </p:grpSpPr>
+      <p:sp>
+        <p:nvSpPr>
+          <p:cNvPr id="2" name="标题 1"/>
+          <p:cNvSpPr>
+            <a:spLocks noGrp="1"/>
+          </p:cNvSpPr>
+          <p:nvPr>
+            <p:ph type="title"/>
+          </p:nvPr>
+        </p:nvSpPr>
+        <p:spPr/>
+        <p:txBody>
+          <a:bodyPr/>
+          <a:lstStyle/>
+          <a:p>
+            <a:r>
+              <a:rPr lang="en-US" altLang="zh-CN" dirty="0" err="1" smtClean="0"/>
+              <a:t>Vtysh</a:t>
+            </a:r>
+            <a:r>
+              <a:rPr lang="zh-CN" altLang="en-US" dirty="0" smtClean="0"/>
+              <a:t>（该部分不重要）</a:t>
+            </a:r>
+            <a:endParaRPr lang="zh-CN" altLang="en-US" dirty="0"/>
+          </a:p>
+        </p:txBody>
+      </p:sp>
+      <p:sp>
+        <p:nvSpPr>
+          <p:cNvPr id="3" name="内容占位符 2"/>
+          <p:cNvSpPr>
+            <a:spLocks noGrp="1"/>
+          </p:cNvSpPr>
+          <p:nvPr>
+            <p:ph idx="1"/>
+          </p:nvPr>
+        </p:nvSpPr>
+        <p:spPr/>
+        <p:txBody>
+          <a:bodyPr>
+            <a:noAutofit/>
+          </a:bodyPr>
+          <a:lstStyle/>
+          <a:p>
+            <a:r>
+              <a:rPr lang="en-US" altLang="zh-CN" sz="1600" dirty="0" err="1" smtClean="0"/>
+              <a:t>vtysh_main.c</a:t>
+            </a:r>
+            <a:r>
+              <a:rPr lang="en-US" altLang="zh-CN" sz="1600" dirty="0"/>
+              <a:t> </a:t>
+            </a:r>
+            <a:r>
+              <a:rPr lang="en-US" altLang="zh-CN" sz="1600" dirty="0" smtClean="0"/>
+              <a:t>   </a:t>
+            </a:r>
+            <a:r>
+              <a:rPr lang="en-US" altLang="zh-CN" sz="1600" dirty="0"/>
+              <a:t>/* Main command loop. </a:t>
+            </a:r>
+            <a:r>
+              <a:rPr lang="en-US" altLang="zh-CN" sz="1600" dirty="0" smtClean="0"/>
+              <a:t>*/ </a:t>
+            </a:r>
+            <a:r>
+              <a:rPr lang="zh-CN" altLang="en-US" sz="1600" dirty="0" smtClean="0"/>
+              <a:t>例如：服务器是</a:t>
+            </a:r>
+            <a:r>
+              <a:rPr lang="en-US" altLang="zh-CN" sz="1600" dirty="0" smtClean="0"/>
+              <a:t>zebra</a:t>
+            </a:r>
+            <a:r>
+              <a:rPr lang="zh-CN" altLang="en-US" sz="1600" dirty="0" smtClean="0"/>
+              <a:t>，客户端是</a:t>
+            </a:r>
+            <a:r>
+              <a:rPr lang="en-US" altLang="zh-CN" sz="1600" dirty="0" err="1" smtClean="0"/>
+              <a:t>bgpd</a:t>
+            </a:r>
+            <a:endParaRPr lang="en-US" altLang="zh-CN" sz="1600" dirty="0"/>
+          </a:p>
+          <a:p>
+            <a:pPr lvl="1"/>
+            <a:r>
+              <a:rPr lang="en-US" altLang="zh-CN" sz="1600" dirty="0">
+                <a:solidFill>
+                  <a:srgbClr val="FF0000"/>
+                </a:solidFill>
+              </a:rPr>
+              <a:t>  while (</a:t>
+            </a:r>
+            <a:r>
+              <a:rPr lang="en-US" altLang="zh-CN" sz="1600" dirty="0" err="1">
+                <a:solidFill>
+                  <a:srgbClr val="FF0000"/>
+                </a:solidFill>
+              </a:rPr>
+              <a:t>vtysh_rl_gets</a:t>
+            </a:r>
+            <a:r>
+              <a:rPr lang="en-US" altLang="zh-CN" sz="1600" dirty="0">
+                <a:solidFill>
+                  <a:srgbClr val="FF0000"/>
+                </a:solidFill>
+              </a:rPr>
+              <a:t> ())</a:t>
+            </a:r>
+          </a:p>
+          <a:p>
+            <a:pPr lvl="1"/>
+            <a:r>
+              <a:rPr lang="en-US" altLang="zh-CN" sz="1600" dirty="0" smtClean="0">
+                <a:solidFill>
+                  <a:srgbClr val="FF0000"/>
+                </a:solidFill>
+              </a:rPr>
+              <a:t>    </a:t>
+            </a:r>
+            <a:r>
+              <a:rPr lang="en-US" altLang="zh-CN" sz="1600" dirty="0" err="1" smtClean="0">
+                <a:solidFill>
+                  <a:srgbClr val="FF0000"/>
+                </a:solidFill>
+              </a:rPr>
+              <a:t>vtysh_execute</a:t>
+            </a:r>
+            <a:r>
+              <a:rPr lang="en-US" altLang="zh-CN" sz="1600" dirty="0" smtClean="0">
+                <a:solidFill>
+                  <a:srgbClr val="FF0000"/>
+                </a:solidFill>
+              </a:rPr>
+              <a:t> </a:t>
+            </a:r>
+            <a:r>
+              <a:rPr lang="en-US" altLang="zh-CN" sz="1600" dirty="0">
+                <a:solidFill>
+                  <a:srgbClr val="FF0000"/>
+                </a:solidFill>
+              </a:rPr>
+              <a:t>(</a:t>
+            </a:r>
+            <a:r>
+              <a:rPr lang="en-US" altLang="zh-CN" sz="1600" dirty="0" err="1">
+                <a:solidFill>
+                  <a:srgbClr val="FF0000"/>
+                </a:solidFill>
+              </a:rPr>
+              <a:t>line_read</a:t>
+            </a:r>
+            <a:r>
+              <a:rPr lang="en-US" altLang="zh-CN" sz="1600" dirty="0" smtClean="0">
+                <a:solidFill>
+                  <a:srgbClr val="FF0000"/>
+                </a:solidFill>
+              </a:rPr>
+              <a:t>);</a:t>
+            </a:r>
+          </a:p>
+          <a:p>
+            <a:pPr lvl="2"/>
+            <a:r>
+              <a:rPr lang="en-US" altLang="zh-CN" sz="1600" dirty="0" err="1" smtClean="0"/>
+              <a:t>vtysh_client_execute</a:t>
+            </a:r>
+            <a:endParaRPr lang="en-US" altLang="zh-CN" sz="1600" dirty="0" smtClean="0"/>
+          </a:p>
+          <a:p>
+            <a:pPr lvl="3"/>
+            <a:r>
+              <a:rPr lang="zh-CN" altLang="en-US" sz="1600" dirty="0" smtClean="0"/>
+              <a:t>定义</a:t>
+            </a:r>
+            <a:r>
+              <a:rPr lang="en-US" altLang="zh-CN" sz="1600" dirty="0" smtClean="0"/>
+              <a:t>node  //BGP</a:t>
+            </a:r>
+            <a:r>
+              <a:rPr lang="zh-CN" altLang="en-US" sz="1600" dirty="0" smtClean="0"/>
+              <a:t>的</a:t>
+            </a:r>
+            <a:r>
+              <a:rPr lang="en-US" altLang="zh-CN" sz="1600" dirty="0" smtClean="0"/>
+              <a:t>node</a:t>
+            </a:r>
+            <a:r>
+              <a:rPr lang="zh-CN" altLang="en-US" sz="1600" dirty="0" smtClean="0"/>
+              <a:t>也有好几种</a:t>
+            </a:r>
+            <a:endParaRPr lang="en-US" altLang="zh-CN" sz="1600" dirty="0"/>
+          </a:p>
+          <a:p>
+            <a:pPr lvl="3"/>
+            <a:r>
+              <a:rPr lang="en-US" altLang="zh-CN" sz="1600" dirty="0" smtClean="0">
+                <a:solidFill>
+                  <a:srgbClr val="FF0000"/>
+                </a:solidFill>
+              </a:rPr>
+              <a:t>static </a:t>
+            </a:r>
+            <a:r>
+              <a:rPr lang="en-US" altLang="zh-CN" sz="1600" dirty="0" err="1">
+                <a:solidFill>
+                  <a:srgbClr val="FF0000"/>
+                </a:solidFill>
+              </a:rPr>
+              <a:t>struct</a:t>
+            </a:r>
+            <a:r>
+              <a:rPr lang="en-US" altLang="zh-CN" sz="1600" dirty="0">
+                <a:solidFill>
+                  <a:srgbClr val="FF0000"/>
+                </a:solidFill>
+              </a:rPr>
+              <a:t> </a:t>
+            </a:r>
+            <a:r>
+              <a:rPr lang="en-US" altLang="zh-CN" sz="1600" dirty="0" err="1">
+                <a:solidFill>
+                  <a:srgbClr val="FF0000"/>
+                </a:solidFill>
+              </a:rPr>
+              <a:t>cmd_node</a:t>
+            </a:r>
+            <a:r>
+              <a:rPr lang="en-US" altLang="zh-CN" sz="1600" dirty="0">
+                <a:solidFill>
+                  <a:srgbClr val="FF0000"/>
+                </a:solidFill>
+              </a:rPr>
+              <a:t> </a:t>
+            </a:r>
+            <a:r>
+              <a:rPr lang="en-US" altLang="zh-CN" sz="1600" dirty="0" err="1">
+                <a:solidFill>
+                  <a:srgbClr val="FF0000"/>
+                </a:solidFill>
+              </a:rPr>
+              <a:t>bgp_node</a:t>
+            </a:r>
+            <a:r>
+              <a:rPr lang="en-US" altLang="zh-CN" sz="1600" dirty="0">
+                <a:solidFill>
+                  <a:srgbClr val="FF0000"/>
+                </a:solidFill>
+              </a:rPr>
+              <a:t> =</a:t>
+            </a:r>
+          </a:p>
+          <a:p>
+            <a:pPr lvl="3"/>
+            <a:r>
+              <a:rPr lang="en-US" altLang="zh-CN" sz="1600" dirty="0" smtClean="0">
+                <a:solidFill>
+                  <a:srgbClr val="FF0000"/>
+                </a:solidFill>
+              </a:rPr>
+              <a:t>{  BGP_NODE</a:t>
+            </a:r>
+            <a:r>
+              <a:rPr lang="en-US" altLang="zh-CN" sz="1600" dirty="0">
+                <a:solidFill>
+                  <a:srgbClr val="FF0000"/>
+                </a:solidFill>
+              </a:rPr>
+              <a:t>,</a:t>
+            </a:r>
+          </a:p>
+          <a:p>
+            <a:pPr lvl="3"/>
+            <a:r>
+              <a:rPr lang="en-US" altLang="zh-CN" sz="1600" dirty="0">
+                <a:solidFill>
+                  <a:srgbClr val="FF0000"/>
+                </a:solidFill>
+              </a:rPr>
+              <a:t>  "%s(</a:t>
+            </a:r>
+            <a:r>
+              <a:rPr lang="en-US" altLang="zh-CN" sz="1600" dirty="0" err="1">
+                <a:solidFill>
+                  <a:srgbClr val="FF0000"/>
+                </a:solidFill>
+              </a:rPr>
+              <a:t>config</a:t>
+            </a:r>
+            <a:r>
+              <a:rPr lang="en-US" altLang="zh-CN" sz="1600" dirty="0">
+                <a:solidFill>
+                  <a:srgbClr val="FF0000"/>
+                </a:solidFill>
+              </a:rPr>
+              <a:t>-router)# </a:t>
+            </a:r>
+            <a:r>
+              <a:rPr lang="en-US" altLang="zh-CN" sz="1600" dirty="0" smtClean="0">
+                <a:solidFill>
+                  <a:srgbClr val="FF0000"/>
+                </a:solidFill>
+              </a:rPr>
+              <a:t>",  };</a:t>
+            </a:r>
+          </a:p>
+          <a:p>
+            <a:pPr lvl="3"/>
+            <a:r>
+              <a:rPr lang="zh-CN" altLang="en-US" sz="1600" dirty="0"/>
+              <a:t>添加该</a:t>
+            </a:r>
+            <a:r>
+              <a:rPr lang="en-US" altLang="zh-CN" sz="1600" dirty="0"/>
+              <a:t>node</a:t>
+            </a:r>
+            <a:r>
+              <a:rPr lang="zh-CN" altLang="en-US" sz="1600" dirty="0" smtClean="0"/>
+              <a:t>视图到</a:t>
+            </a:r>
+            <a:r>
+              <a:rPr lang="en-US" altLang="zh-CN" sz="1600" dirty="0" err="1" smtClean="0"/>
+              <a:t>vtysh</a:t>
+            </a:r>
+            <a:r>
+              <a:rPr lang="zh-CN" altLang="en-US" sz="1600" dirty="0" smtClean="0"/>
+              <a:t>，遍历找到该视图</a:t>
+            </a:r>
+            <a:endParaRPr lang="en-US" altLang="zh-CN" sz="1600" dirty="0"/>
+          </a:p>
+          <a:p>
+            <a:pPr lvl="3"/>
+            <a:r>
+              <a:rPr lang="en-US" altLang="zh-CN" sz="1600" dirty="0">
+                <a:solidFill>
+                  <a:srgbClr val="FF0000"/>
+                </a:solidFill>
+              </a:rPr>
+              <a:t> </a:t>
+            </a:r>
+            <a:r>
+              <a:rPr lang="en-US" altLang="zh-CN" sz="1600" dirty="0" err="1">
+                <a:solidFill>
+                  <a:srgbClr val="FF0000"/>
+                </a:solidFill>
+              </a:rPr>
+              <a:t>install_node</a:t>
+            </a:r>
+            <a:r>
+              <a:rPr lang="en-US" altLang="zh-CN" sz="1600" dirty="0">
+                <a:solidFill>
+                  <a:srgbClr val="FF0000"/>
+                </a:solidFill>
+              </a:rPr>
+              <a:t> (&amp;</a:t>
+            </a:r>
+            <a:r>
+              <a:rPr lang="en-US" altLang="zh-CN" sz="1600" dirty="0" err="1">
+                <a:solidFill>
+                  <a:srgbClr val="FF0000"/>
+                </a:solidFill>
+              </a:rPr>
+              <a:t>bgp_node</a:t>
+            </a:r>
+            <a:r>
+              <a:rPr lang="en-US" altLang="zh-CN" sz="1600" dirty="0">
+                <a:solidFill>
+                  <a:srgbClr val="FF0000"/>
+                </a:solidFill>
+              </a:rPr>
+              <a:t>, NULL</a:t>
+            </a:r>
+            <a:r>
+              <a:rPr lang="en-US" altLang="zh-CN" sz="1600" dirty="0" smtClean="0">
+                <a:solidFill>
+                  <a:srgbClr val="FF0000"/>
+                </a:solidFill>
+              </a:rPr>
+              <a:t>);</a:t>
+            </a:r>
+          </a:p>
+          <a:p>
+            <a:pPr lvl="3"/>
+            <a:r>
+              <a:rPr lang="zh-CN" altLang="en-US" sz="1600" dirty="0" smtClean="0"/>
+              <a:t>用</a:t>
+            </a:r>
+            <a:r>
+              <a:rPr lang="en-US" altLang="zh-CN" sz="1600" dirty="0" smtClean="0"/>
+              <a:t>DEFUN</a:t>
+            </a:r>
+            <a:r>
+              <a:rPr lang="zh-CN" altLang="en-US" sz="1600" dirty="0" smtClean="0"/>
+              <a:t>宏定义</a:t>
+            </a:r>
+            <a:r>
+              <a:rPr lang="en-US" altLang="zh-CN" sz="1600" dirty="0" smtClean="0"/>
+              <a:t>Command</a:t>
+            </a:r>
+            <a:r>
+              <a:rPr lang="zh-CN" altLang="en-US" sz="1600" dirty="0" smtClean="0"/>
+              <a:t>，</a:t>
+            </a:r>
+            <a:r>
+              <a:rPr lang="zh-CN" altLang="en-US" sz="1600" dirty="0"/>
+              <a:t>用</a:t>
+            </a:r>
+            <a:r>
+              <a:rPr lang="en-US" altLang="zh-CN" sz="1600" dirty="0" err="1" smtClean="0"/>
+              <a:t>install_element</a:t>
+            </a:r>
+            <a:r>
+              <a:rPr lang="zh-CN" altLang="en-US" sz="1600" dirty="0" smtClean="0"/>
+              <a:t>将函数引到</a:t>
+            </a:r>
+            <a:r>
+              <a:rPr lang="en-US" altLang="zh-CN" sz="1600" dirty="0" smtClean="0"/>
+              <a:t>node</a:t>
+            </a:r>
+            <a:r>
+              <a:rPr lang="zh-CN" altLang="en-US" sz="1600" dirty="0" smtClean="0"/>
+              <a:t>下</a:t>
+            </a:r>
+            <a:endParaRPr lang="en-US" altLang="zh-CN" sz="1600" dirty="0" smtClean="0"/>
+          </a:p>
+          <a:p>
+            <a:pPr lvl="3"/>
+            <a:r>
+              <a:rPr lang="en-US" altLang="zh-CN" sz="1600" dirty="0" err="1">
+                <a:solidFill>
+                  <a:srgbClr val="FF0000"/>
+                </a:solidFill>
+              </a:rPr>
+              <a:t>install_element</a:t>
+            </a:r>
+            <a:r>
+              <a:rPr lang="en-US" altLang="zh-CN" sz="1600" dirty="0">
+                <a:solidFill>
+                  <a:srgbClr val="FF0000"/>
+                </a:solidFill>
+              </a:rPr>
+              <a:t> (BGP_NODE, &amp;</a:t>
+            </a:r>
+            <a:r>
+              <a:rPr lang="en-US" altLang="zh-CN" sz="1600" dirty="0" err="1">
+                <a:solidFill>
+                  <a:srgbClr val="FF0000"/>
+                </a:solidFill>
+              </a:rPr>
+              <a:t>vtysh_exit_bgpd_cmd</a:t>
+            </a:r>
+            <a:r>
+              <a:rPr lang="en-US" altLang="zh-CN" sz="1600" dirty="0" smtClean="0">
+                <a:solidFill>
+                  <a:srgbClr val="FF0000"/>
+                </a:solidFill>
+              </a:rPr>
+              <a:t>);</a:t>
+            </a:r>
+          </a:p>
+          <a:p>
+            <a:pPr lvl="3"/>
+            <a:r>
+              <a:rPr lang="zh-CN" altLang="en-US" sz="1600" dirty="0" smtClean="0"/>
+              <a:t>找到</a:t>
+            </a:r>
+            <a:r>
+              <a:rPr lang="en-US" altLang="zh-CN" sz="1600" dirty="0" smtClean="0"/>
+              <a:t>node</a:t>
+            </a:r>
+            <a:r>
+              <a:rPr lang="zh-CN" altLang="en-US" sz="1600" dirty="0" smtClean="0"/>
+              <a:t>对应的</a:t>
+            </a:r>
+            <a:r>
+              <a:rPr lang="en-US" altLang="zh-CN" sz="1600" dirty="0" smtClean="0"/>
+              <a:t>element</a:t>
+            </a:r>
+            <a:r>
+              <a:rPr lang="zh-CN" altLang="en-US" sz="1600" dirty="0" smtClean="0"/>
+              <a:t>里面连接的函数，执行函数</a:t>
+            </a:r>
+            <a:endParaRPr lang="en-US" altLang="zh-CN" sz="1600" dirty="0" smtClean="0"/>
+          </a:p>
+          <a:p>
+            <a:r>
+              <a:rPr lang="en-US" altLang="zh-CN" sz="1600" dirty="0" smtClean="0"/>
+              <a:t>Configure</a:t>
+            </a:r>
+            <a:r>
+              <a:rPr lang="zh-CN" altLang="en-US" sz="1600" dirty="0" smtClean="0"/>
+              <a:t>需要</a:t>
+            </a:r>
+            <a:r>
+              <a:rPr lang="en-US" altLang="zh-CN" sz="1600" dirty="0" smtClean="0"/>
+              <a:t>—enable-</a:t>
+            </a:r>
+            <a:r>
+              <a:rPr lang="en-US" altLang="zh-CN" sz="1600" dirty="0" err="1" smtClean="0"/>
+              <a:t>vtysh</a:t>
+            </a:r>
+            <a:endParaRPr lang="en-US" altLang="zh-CN" sz="1600" dirty="0" smtClean="0"/>
+          </a:p>
+          <a:p>
+            <a:pPr lvl="1"/>
+            <a:r>
+              <a:rPr lang="zh-CN" altLang="en-US" sz="1600" dirty="0" smtClean="0"/>
+              <a:t>否则新添加的命令将无法出现在</a:t>
+            </a:r>
+            <a:r>
+              <a:rPr lang="en-US" altLang="zh-CN" sz="1600" dirty="0" err="1" smtClean="0"/>
+              <a:t>vtysh</a:t>
+            </a:r>
+            <a:r>
+              <a:rPr lang="zh-CN" altLang="en-US" sz="1600" dirty="0" smtClean="0"/>
+              <a:t>中，会添加失败</a:t>
+            </a:r>
+            <a:endParaRPr lang="en-US" altLang="zh-CN" sz="1600" dirty="0" smtClean="0"/>
+          </a:p>
+        </p:txBody>
+      </p:sp>
+    </p:spTree>
+    <p:extLst>
+      <p:ext uri="{BB962C8B-B14F-4D97-AF65-F5344CB8AC3E}">
+        <p14:creationId xmlns:p14="http://schemas.microsoft.com/office/powerpoint/2010/main" val="2467806293"/>
+      </p:ext>
+    </p:extLst>
+  </p:cSld>
+  <p:clrMapOvr>
+    <a:masterClrMapping/>
+  </p:clrMapOvr>
+  <p:timing>
+    <p:tnLst>
+      <p:par>
+        <p:cTn id="1" dur="indefinite" restart="never" nodeType="tmRoot"/>
+      </p:par>
+    </p:tnLst>
+  </p:timing>
+</p:sld>
+</file>
+
+<file path=ppt/slides/slide6.xml><?xml version="1.0" encoding="utf-8"?>
+<p:sld xmlns:a="http://schemas.openxmlformats.org/drawingml/2006/main" xmlns:r="http://schemas.openxmlformats.org/officeDocument/2006/relationships" xmlns:p="http://schemas.openxmlformats.org/presentationml/2006/main">
+  <p:cSld>
+    <p:spTree>
+      <p:nvGrpSpPr>
+        <p:cNvPr id="1" name=""/>
+        <p:cNvGrpSpPr/>
+        <p:nvPr/>
+      </p:nvGrpSpPr>
+      <p:grpSpPr>
+        <a:xfrm>
+          <a:off x="0" y="0"/>
+          <a:ext cx="0" cy="0"/>
+          <a:chOff x="0" y="0"/>
+          <a:chExt cx="0" cy="0"/>
+        </a:xfrm>
+      </p:grpSpPr>
+      <p:sp>
+        <p:nvSpPr>
+          <p:cNvPr id="2" name="标题 1"/>
+          <p:cNvSpPr>
+            <a:spLocks noGrp="1"/>
+          </p:cNvSpPr>
+          <p:nvPr>
+            <p:ph type="title"/>
+          </p:nvPr>
+        </p:nvSpPr>
+        <p:spPr/>
+        <p:txBody>
+          <a:bodyPr/>
+          <a:lstStyle/>
+          <a:p>
+            <a:r>
+              <a:rPr lang="en-US" altLang="zh-CN" dirty="0" err="1" smtClean="0"/>
+              <a:t>bgpd</a:t>
+            </a:r>
+            <a:endParaRPr lang="zh-CN" altLang="en-US" dirty="0"/>
+          </a:p>
+        </p:txBody>
+      </p:sp>
+      <p:sp>
+        <p:nvSpPr>
+          <p:cNvPr id="3" name="内容占位符 2"/>
+          <p:cNvSpPr>
+            <a:spLocks noGrp="1"/>
+          </p:cNvSpPr>
+          <p:nvPr>
+            <p:ph idx="1"/>
+          </p:nvPr>
+        </p:nvSpPr>
+        <p:spPr/>
+        <p:txBody>
+          <a:bodyPr/>
+          <a:lstStyle/>
+          <a:p>
+            <a:r>
+              <a:rPr lang="zh-CN" altLang="en-US" dirty="0" smtClean="0"/>
+              <a:t>协议初始化</a:t>
+            </a:r>
+            <a:endParaRPr lang="en-US" altLang="zh-CN" dirty="0" smtClean="0"/>
+          </a:p>
+          <a:p>
+            <a:r>
+              <a:rPr lang="zh-CN" altLang="en-US" dirty="0" smtClean="0"/>
+              <a:t>创建对等体</a:t>
+            </a:r>
+            <a:endParaRPr lang="en-US" altLang="zh-CN" dirty="0" smtClean="0"/>
+          </a:p>
+          <a:p>
+            <a:r>
+              <a:rPr lang="zh-CN" altLang="en-US" dirty="0" smtClean="0"/>
+              <a:t>路由更新</a:t>
+            </a:r>
+            <a:endParaRPr lang="en-US" altLang="zh-CN" dirty="0" smtClean="0"/>
+          </a:p>
+          <a:p>
+            <a:endParaRPr lang="zh-CN" altLang="en-US" dirty="0"/>
+          </a:p>
+        </p:txBody>
+      </p:sp>
+    </p:spTree>
+    <p:extLst>
+      <p:ext uri="{BB962C8B-B14F-4D97-AF65-F5344CB8AC3E}">
+        <p14:creationId xmlns:p14="http://schemas.microsoft.com/office/powerpoint/2010/main" val="3594332642"/>
+      </p:ext>
+    </p:extLst>
+  </p:cSld>
+  <p:clrMapOvr>
+    <a:masterClrMapping/>
+  </p:clrMapOvr>
+</p:sld>
+</file>
+
+<file path=ppt/slides/slide7.xml><?xml version="1.0" encoding="utf-8"?>
+<p:sld xmlns:a="http://schemas.openxmlformats.org/drawingml/2006/main" xmlns:r="http://schemas.openxmlformats.org/officeDocument/2006/relationships" xmlns:p="http://schemas.openxmlformats.org/presentationml/2006/main">
+  <p:cSld>
+    <p:spTree>
+      <p:nvGrpSpPr>
+        <p:cNvPr id="1" name=""/>
+        <p:cNvGrpSpPr/>
+        <p:nvPr/>
+      </p:nvGrpSpPr>
+      <p:grpSpPr>
+        <a:xfrm>
+          <a:off x="0" y="0"/>
+          <a:ext cx="0" cy="0"/>
+          <a:chOff x="0" y="0"/>
+          <a:chExt cx="0" cy="0"/>
+        </a:xfrm>
+      </p:grpSpPr>
+      <p:sp>
+        <p:nvSpPr>
+          <p:cNvPr id="2" name="标题 1"/>
+          <p:cNvSpPr>
+            <a:spLocks noGrp="1"/>
+          </p:cNvSpPr>
+          <p:nvPr>
+            <p:ph type="title"/>
+          </p:nvPr>
+        </p:nvSpPr>
+        <p:spPr/>
+        <p:txBody>
+          <a:bodyPr/>
+          <a:lstStyle/>
+          <a:p>
+            <a:r>
+              <a:rPr lang="en-US" altLang="zh-CN" dirty="0" err="1" smtClean="0"/>
+              <a:t>Bgpd</a:t>
+            </a:r>
+            <a:r>
+              <a:rPr lang="zh-CN" altLang="en-US" dirty="0" smtClean="0"/>
+              <a:t>：</a:t>
+            </a:r>
+            <a:r>
+              <a:rPr lang="en-US" altLang="zh-CN" dirty="0" err="1" smtClean="0"/>
+              <a:t>bgp_main.c</a:t>
+            </a:r>
+            <a:endParaRPr lang="en-US" altLang="zh-CN" dirty="0"/>
+          </a:p>
+        </p:txBody>
+      </p:sp>
+      <p:sp>
+        <p:nvSpPr>
+          <p:cNvPr id="3" name="内容占位符 2"/>
+          <p:cNvSpPr>
+            <a:spLocks noGrp="1"/>
+          </p:cNvSpPr>
+          <p:nvPr>
+            <p:ph idx="1"/>
+          </p:nvPr>
+        </p:nvSpPr>
+        <p:spPr>
+          <a:xfrm>
+            <a:off x="628650" y="1825625"/>
+            <a:ext cx="8269690" cy="4351338"/>
+          </a:xfrm>
+        </p:spPr>
+        <p:txBody>
+          <a:bodyPr/>
+          <a:lstStyle/>
+          <a:p>
+            <a:r>
+              <a:rPr lang="zh-CN" altLang="en-US" dirty="0" smtClean="0"/>
+              <a:t>协议初始化</a:t>
+            </a:r>
+            <a:endParaRPr lang="en-US" altLang="zh-CN" dirty="0" smtClean="0"/>
+          </a:p>
+          <a:p>
+            <a:pPr lvl="1"/>
+            <a:r>
+              <a:rPr lang="en-US" altLang="zh-CN" dirty="0" err="1" smtClean="0"/>
+              <a:t>bgp_master_init</a:t>
+            </a:r>
+            <a:r>
+              <a:rPr lang="zh-CN" altLang="en-US" dirty="0" smtClean="0"/>
+              <a:t>（）</a:t>
+            </a:r>
+            <a:endParaRPr lang="en-US" altLang="zh-CN" dirty="0" smtClean="0"/>
+          </a:p>
+          <a:p>
+            <a:pPr lvl="1"/>
+            <a:r>
+              <a:rPr lang="en-US" altLang="zh-CN" dirty="0" err="1" smtClean="0"/>
+              <a:t>Bgp_init</a:t>
+            </a:r>
+            <a:r>
+              <a:rPr lang="en-US" altLang="zh-CN" dirty="0" smtClean="0"/>
+              <a:t>()</a:t>
+            </a:r>
+            <a:r>
+              <a:rPr lang="zh-CN" altLang="en-US" dirty="0" smtClean="0"/>
+              <a:t>：属性初始化、命令初始化、</a:t>
+            </a:r>
+            <a:r>
+              <a:rPr lang="en-US" altLang="zh-CN" dirty="0" err="1" smtClean="0"/>
+              <a:t>bgp_route_init</a:t>
+            </a:r>
+            <a:r>
+              <a:rPr lang="en-US" altLang="zh-CN" dirty="0" smtClean="0"/>
+              <a:t>()</a:t>
+            </a:r>
+          </a:p>
+          <a:p>
+            <a:r>
+              <a:rPr lang="en-US" altLang="zh-CN" dirty="0" smtClean="0"/>
+              <a:t>Parse</a:t>
+            </a:r>
+            <a:r>
+              <a:rPr lang="zh-CN" altLang="en-US" dirty="0" smtClean="0"/>
+              <a:t>配置文件</a:t>
+            </a:r>
+            <a:endParaRPr lang="en-US" altLang="zh-CN" dirty="0" smtClean="0"/>
+          </a:p>
+          <a:p>
+            <a:pPr lvl="1"/>
+            <a:r>
+              <a:rPr lang="en-US" altLang="zh-CN" dirty="0" err="1" smtClean="0"/>
+              <a:t>vty_read_config</a:t>
+            </a:r>
+            <a:r>
+              <a:rPr lang="en-US" altLang="zh-CN" dirty="0" smtClean="0"/>
+              <a:t>()</a:t>
+            </a:r>
+          </a:p>
+          <a:p>
+            <a:pPr lvl="2"/>
+            <a:r>
+              <a:rPr lang="zh-CN" altLang="en-US" dirty="0" smtClean="0"/>
+              <a:t>创建对等体，通过</a:t>
+            </a:r>
+            <a:r>
+              <a:rPr lang="en-US" altLang="zh-CN" dirty="0" err="1" smtClean="0"/>
+              <a:t>config</a:t>
+            </a:r>
+            <a:r>
+              <a:rPr lang="en-US" altLang="zh-CN" dirty="0" smtClean="0"/>
+              <a:t> command</a:t>
+            </a:r>
+          </a:p>
+          <a:p>
+            <a:pPr lvl="2"/>
+            <a:r>
+              <a:rPr lang="zh-CN" altLang="en-US" dirty="0" smtClean="0"/>
+              <a:t>如果</a:t>
+            </a:r>
+            <a:r>
+              <a:rPr lang="en-US" altLang="zh-CN" dirty="0" smtClean="0"/>
+              <a:t>peer</a:t>
+            </a:r>
+            <a:r>
+              <a:rPr lang="zh-CN" altLang="en-US" dirty="0" smtClean="0"/>
+              <a:t>存在，</a:t>
+            </a:r>
+            <a:r>
+              <a:rPr lang="en-US" altLang="zh-CN" dirty="0" smtClean="0"/>
+              <a:t>as</a:t>
+            </a:r>
+            <a:r>
+              <a:rPr lang="zh-CN" altLang="en-US" dirty="0" smtClean="0"/>
+              <a:t>不同更新</a:t>
+            </a:r>
+            <a:r>
+              <a:rPr lang="en-US" altLang="zh-CN" dirty="0" smtClean="0"/>
+              <a:t>as</a:t>
+            </a:r>
+            <a:r>
+              <a:rPr lang="zh-CN" altLang="en-US" dirty="0" smtClean="0"/>
+              <a:t>；否则创建</a:t>
+            </a:r>
+            <a:r>
+              <a:rPr lang="en-US" altLang="zh-CN" dirty="0" smtClean="0"/>
+              <a:t>peer</a:t>
+            </a:r>
+          </a:p>
+        </p:txBody>
+      </p:sp>
+    </p:spTree>
+    <p:extLst>
+      <p:ext uri="{BB962C8B-B14F-4D97-AF65-F5344CB8AC3E}">
+        <p14:creationId xmlns:p14="http://schemas.microsoft.com/office/powerpoint/2010/main" val="2441441158"/>
+      </p:ext>
+    </p:extLst>
+  </p:cSld>
+  <p:clrMapOvr>
+    <a:masterClrMapping/>
+  </p:clrMapOvr>
+</p:sld>
+</file>
+
+<file path=ppt/slides/slide8.xml><?xml version="1.0" encoding="utf-8"?>
+<p:sld xmlns:a="http://schemas.openxmlformats.org/drawingml/2006/main" xmlns:r="http://schemas.openxmlformats.org/officeDocument/2006/relationships" xmlns:p="http://schemas.openxmlformats.org/presentationml/2006/main">
+  <p:cSld>
+    <p:spTree>
+      <p:nvGrpSpPr>
+        <p:cNvPr id="1" name=""/>
+        <p:cNvGrpSpPr/>
+        <p:nvPr/>
+      </p:nvGrpSpPr>
+      <p:grpSpPr>
+        <a:xfrm>
+          <a:off x="0" y="0"/>
+          <a:ext cx="0" cy="0"/>
+          <a:chOff x="0" y="0"/>
+          <a:chExt cx="0" cy="0"/>
+        </a:xfrm>
+      </p:grpSpPr>
+      <p:sp>
+        <p:nvSpPr>
+          <p:cNvPr id="2" name="标题 1"/>
+          <p:cNvSpPr>
+            <a:spLocks noGrp="1"/>
+          </p:cNvSpPr>
+          <p:nvPr>
+            <p:ph type="title"/>
+          </p:nvPr>
+        </p:nvSpPr>
+        <p:spPr/>
+        <p:txBody>
+          <a:bodyPr/>
+          <a:lstStyle/>
+          <a:p>
+            <a:r>
+              <a:rPr lang="en-US" altLang="zh-CN" dirty="0" err="1" smtClean="0"/>
+              <a:t>Bgpd</a:t>
+            </a:r>
+            <a:r>
+              <a:rPr lang="zh-CN" altLang="en-US" dirty="0" smtClean="0"/>
+              <a:t>：路由更新</a:t>
+            </a:r>
+            <a:endParaRPr lang="zh-CN" altLang="en-US" dirty="0"/>
+          </a:p>
+        </p:txBody>
+      </p:sp>
+      <p:sp>
+        <p:nvSpPr>
+          <p:cNvPr id="3" name="内容占位符 2"/>
+          <p:cNvSpPr>
+            <a:spLocks noGrp="1"/>
+          </p:cNvSpPr>
+          <p:nvPr>
+            <p:ph idx="1"/>
+          </p:nvPr>
+        </p:nvSpPr>
+        <p:spPr>
+          <a:xfrm>
+            <a:off x="628649" y="1825625"/>
+            <a:ext cx="8368205" cy="4351338"/>
+          </a:xfrm>
+        </p:spPr>
+        <p:txBody>
+          <a:bodyPr>
+            <a:normAutofit fontScale="92500" lnSpcReduction="10000"/>
+          </a:bodyPr>
+          <a:lstStyle/>
+          <a:p>
+            <a:r>
+              <a:rPr lang="zh-CN" altLang="en-US" dirty="0" smtClean="0"/>
+              <a:t>收到</a:t>
+            </a:r>
+            <a:r>
+              <a:rPr lang="en-US" altLang="zh-CN" dirty="0" smtClean="0"/>
+              <a:t>update</a:t>
+            </a:r>
+            <a:r>
+              <a:rPr lang="zh-CN" altLang="en-US" dirty="0" smtClean="0"/>
+              <a:t>包</a:t>
+            </a:r>
+            <a:endParaRPr lang="en-US" altLang="zh-CN" dirty="0" smtClean="0"/>
+          </a:p>
+          <a:p>
+            <a:pPr lvl="1"/>
+            <a:r>
+              <a:rPr lang="en-US" altLang="zh-CN" dirty="0" err="1" smtClean="0"/>
+              <a:t>bgp_update_receive</a:t>
+            </a:r>
+            <a:endParaRPr lang="en-US" altLang="zh-CN" dirty="0" smtClean="0"/>
+          </a:p>
+          <a:p>
+            <a:pPr lvl="2"/>
+            <a:r>
+              <a:rPr lang="en-US" altLang="zh-CN" dirty="0" err="1" smtClean="0"/>
+              <a:t>bgp_attr_parse</a:t>
+            </a:r>
+            <a:r>
+              <a:rPr lang="zh-CN" altLang="en-US" dirty="0"/>
+              <a:t>、</a:t>
+            </a:r>
+            <a:r>
+              <a:rPr lang="en-US" altLang="zh-CN" dirty="0" err="1" smtClean="0"/>
+              <a:t>bgp_nlri_parse</a:t>
+            </a:r>
+            <a:r>
+              <a:rPr lang="en-US" altLang="zh-CN" dirty="0" smtClean="0"/>
+              <a:t>-&gt;</a:t>
+            </a:r>
+            <a:r>
+              <a:rPr lang="en-US" altLang="zh-CN" dirty="0" err="1"/>
+              <a:t>bgp_update</a:t>
+            </a:r>
+            <a:endParaRPr lang="en-US" altLang="zh-CN" dirty="0" smtClean="0"/>
+          </a:p>
+          <a:p>
+            <a:pPr lvl="3"/>
+            <a:r>
+              <a:rPr lang="zh-CN" altLang="en-US" dirty="0" smtClean="0"/>
+              <a:t>需要更新或者撤销路由：</a:t>
+            </a:r>
+            <a:r>
+              <a:rPr lang="en-US" altLang="zh-CN" dirty="0" err="1" smtClean="0"/>
+              <a:t>bgp_update_main</a:t>
+            </a:r>
+            <a:endParaRPr lang="en-US" altLang="zh-CN" dirty="0" smtClean="0"/>
+          </a:p>
+          <a:p>
+            <a:pPr lvl="4"/>
+            <a:r>
+              <a:rPr lang="zh-CN" altLang="en-US" dirty="0" smtClean="0"/>
+              <a:t>加入</a:t>
+            </a:r>
+            <a:r>
+              <a:rPr lang="en-US" altLang="zh-CN" dirty="0" smtClean="0"/>
+              <a:t>rib</a:t>
+            </a:r>
+            <a:r>
+              <a:rPr lang="zh-CN" altLang="en-US" dirty="0" smtClean="0"/>
+              <a:t>表：</a:t>
+            </a:r>
+            <a:r>
+              <a:rPr lang="en-US" altLang="zh-CN" dirty="0" err="1" smtClean="0"/>
+              <a:t>bgp_adj_in_set</a:t>
+            </a:r>
+            <a:endParaRPr lang="en-US" altLang="zh-CN" dirty="0" smtClean="0"/>
+          </a:p>
+          <a:p>
+            <a:pPr lvl="4"/>
+            <a:r>
+              <a:rPr lang="zh-CN" altLang="en-US" dirty="0"/>
+              <a:t>入</a:t>
+            </a:r>
+            <a:r>
+              <a:rPr lang="zh-CN" altLang="en-US" dirty="0" smtClean="0"/>
+              <a:t>站过滤：</a:t>
+            </a:r>
+            <a:r>
+              <a:rPr lang="en-US" altLang="zh-CN" dirty="0" err="1" smtClean="0"/>
+              <a:t>bgp_input_filter</a:t>
+            </a:r>
+            <a:endParaRPr lang="en-US" altLang="zh-CN" dirty="0" smtClean="0"/>
+          </a:p>
+          <a:p>
+            <a:pPr lvl="4"/>
+            <a:r>
+              <a:rPr lang="zh-CN" altLang="en-US" dirty="0" smtClean="0"/>
+              <a:t>处理路由：</a:t>
+            </a:r>
+            <a:r>
+              <a:rPr lang="en-US" altLang="zh-CN" dirty="0" err="1" smtClean="0"/>
+              <a:t>bgp_process</a:t>
+            </a:r>
+            <a:endParaRPr lang="en-US" altLang="zh-CN" dirty="0" smtClean="0"/>
+          </a:p>
+          <a:p>
+            <a:pPr lvl="5"/>
+            <a:r>
+              <a:rPr lang="zh-CN" altLang="en-US" dirty="0"/>
+              <a:t>将路由信息加锁，等待处理该路由，比如路由更新加入</a:t>
+            </a:r>
+            <a:r>
+              <a:rPr lang="en-US" altLang="zh-CN" dirty="0" err="1"/>
+              <a:t>work_queue_add</a:t>
+            </a:r>
+            <a:r>
+              <a:rPr lang="en-US" altLang="zh-CN" dirty="0"/>
+              <a:t>(),</a:t>
+            </a:r>
+            <a:r>
+              <a:rPr lang="zh-CN" altLang="en-US" dirty="0"/>
+              <a:t>加入队列之后之后会运行</a:t>
+            </a:r>
+            <a:r>
+              <a:rPr lang="en-US" altLang="zh-CN" dirty="0" err="1" smtClean="0"/>
+              <a:t>bgp_process_main</a:t>
+            </a:r>
+            <a:endParaRPr lang="en-US" altLang="zh-CN" dirty="0" smtClean="0"/>
+          </a:p>
+          <a:p>
+            <a:pPr lvl="5"/>
+            <a:r>
+              <a:rPr lang="en-US" altLang="zh-CN" dirty="0" err="1"/>
+              <a:t>Bgp_process_main</a:t>
+            </a:r>
+            <a:r>
+              <a:rPr lang="zh-CN" altLang="en-US" dirty="0"/>
+              <a:t>先算出最优</a:t>
+            </a:r>
+            <a:r>
+              <a:rPr lang="zh-CN" altLang="en-US" dirty="0" smtClean="0"/>
+              <a:t>路由</a:t>
+            </a:r>
+            <a:endParaRPr lang="en-US" altLang="zh-CN" dirty="0" smtClean="0"/>
+          </a:p>
+          <a:p>
+            <a:pPr lvl="6"/>
+            <a:r>
+              <a:rPr lang="zh-CN" altLang="en-US" dirty="0"/>
+              <a:t>出栈</a:t>
+            </a:r>
+            <a:r>
+              <a:rPr lang="zh-CN" altLang="en-US" dirty="0" smtClean="0"/>
+              <a:t>过滤：</a:t>
+            </a:r>
+            <a:r>
+              <a:rPr lang="en-US" altLang="zh-CN" dirty="0" err="1" smtClean="0"/>
+              <a:t>bgp_output_filter</a:t>
+            </a:r>
+            <a:r>
+              <a:rPr lang="en-US" altLang="zh-CN" dirty="0" smtClean="0"/>
+              <a:t> </a:t>
+            </a:r>
+            <a:endParaRPr lang="en-US" altLang="zh-CN" dirty="0"/>
+          </a:p>
+          <a:p>
+            <a:pPr lvl="6"/>
+            <a:r>
+              <a:rPr lang="zh-CN" altLang="en-US" dirty="0" smtClean="0"/>
+              <a:t>更新：</a:t>
+            </a:r>
+            <a:r>
+              <a:rPr lang="en-US" altLang="zh-CN" dirty="0" err="1" smtClean="0"/>
+              <a:t>bgp_adj_out_set</a:t>
+            </a:r>
+            <a:endParaRPr lang="en-US" altLang="zh-CN" dirty="0" smtClean="0"/>
+          </a:p>
+          <a:p>
+            <a:pPr lvl="6"/>
+            <a:r>
+              <a:rPr lang="zh-CN" altLang="en-US" dirty="0" smtClean="0"/>
+              <a:t>宣告：</a:t>
+            </a:r>
+            <a:r>
+              <a:rPr lang="en-US" altLang="zh-CN" dirty="0" err="1" smtClean="0"/>
+              <a:t>bgp_process_announce_seleted</a:t>
+            </a:r>
+            <a:endParaRPr lang="en-US" altLang="zh-CN" dirty="0" smtClean="0"/>
+          </a:p>
+          <a:p>
+            <a:pPr lvl="6"/>
+            <a:r>
+              <a:rPr lang="zh-CN" altLang="en-US" dirty="0" smtClean="0"/>
+              <a:t>更新</a:t>
+            </a:r>
+            <a:r>
+              <a:rPr lang="en-US" altLang="zh-CN" dirty="0" smtClean="0"/>
+              <a:t>FIB</a:t>
+            </a:r>
+            <a:r>
+              <a:rPr lang="en-US" altLang="zh-CN" dirty="0"/>
+              <a:t> </a:t>
+            </a:r>
+            <a:r>
+              <a:rPr lang="zh-CN" altLang="en-US" dirty="0" smtClean="0"/>
+              <a:t>：</a:t>
+            </a:r>
+            <a:r>
+              <a:rPr lang="en-US" altLang="zh-CN" dirty="0" err="1" smtClean="0"/>
+              <a:t>bgp_zebra_announce</a:t>
+            </a:r>
+            <a:endParaRPr lang="en-US" altLang="zh-CN" dirty="0" smtClean="0"/>
+          </a:p>
+          <a:p>
+            <a:pPr lvl="4"/>
+            <a:endParaRPr lang="en-US" altLang="zh-CN" dirty="0"/>
+          </a:p>
+          <a:p>
+            <a:pPr lvl="3"/>
+            <a:endParaRPr lang="zh-CN" altLang="en-US" dirty="0"/>
+          </a:p>
+        </p:txBody>
+      </p:sp>
+    </p:spTree>
+    <p:extLst>
+      <p:ext uri="{BB962C8B-B14F-4D97-AF65-F5344CB8AC3E}">
+        <p14:creationId xmlns:p14="http://schemas.microsoft.com/office/powerpoint/2010/main" val="1003570969"/>
+      </p:ext>
+    </p:extLst>
+  </p:cSld>
+  <p:clrMapOvr>
+    <a:masterClrMapping/>
+  </p:clrMapOvr>
+</p:sld>
+</file>
+
+<file path=ppt/slides/slide9.xml><?xml version="1.0" encoding="utf-8"?>
+<p:sld xmlns:a="http://schemas.openxmlformats.org/drawingml/2006/main" xmlns:r="http://schemas.openxmlformats.org/officeDocument/2006/relationships" xmlns:p="http://schemas.openxmlformats.org/presentationml/2006/main">
+  <p:cSld>
+    <p:spTree>
+      <p:nvGrpSpPr>
+        <p:cNvPr id="1" name=""/>
+        <p:cNvGrpSpPr/>
+        <p:nvPr/>
+      </p:nvGrpSpPr>
+      <p:grpSpPr>
+        <a:xfrm>
+          <a:off x="0" y="0"/>
+          <a:ext cx="0" cy="0"/>
+          <a:chOff x="0" y="0"/>
+          <a:chExt cx="0" cy="0"/>
+        </a:xfrm>
+      </p:grpSpPr>
+      <p:sp>
+        <p:nvSpPr>
+          <p:cNvPr id="2" name="标题 1"/>
+          <p:cNvSpPr>
+            <a:spLocks noGrp="1"/>
+          </p:cNvSpPr>
+          <p:nvPr>
+            <p:ph type="title"/>
+          </p:nvPr>
+        </p:nvSpPr>
+        <p:spPr/>
+        <p:txBody>
+          <a:bodyPr/>
+          <a:lstStyle/>
+          <a:p>
+            <a:r>
+              <a:rPr lang="zh-CN" altLang="en-US" dirty="0" smtClean="0"/>
+              <a:t>工作推进步骤</a:t>
+            </a:r>
+            <a:endParaRPr lang="zh-CN" altLang="en-US" dirty="0"/>
+          </a:p>
+        </p:txBody>
+      </p:sp>
+      <p:sp>
+        <p:nvSpPr>
+          <p:cNvPr id="5" name="内容占位符 4"/>
+          <p:cNvSpPr>
+            <a:spLocks noGrp="1"/>
+          </p:cNvSpPr>
+          <p:nvPr>
+            <p:ph idx="1"/>
+          </p:nvPr>
+        </p:nvSpPr>
+        <p:spPr/>
+        <p:txBody>
+          <a:bodyPr>
+            <a:normAutofit lnSpcReduction="10000"/>
+          </a:bodyPr>
+          <a:lstStyle/>
+          <a:p>
+            <a:r>
+              <a:rPr lang="en-US" altLang="zh-CN" dirty="0" err="1"/>
+              <a:t>bgp_update_receive</a:t>
+            </a:r>
+            <a:r>
+              <a:rPr lang="en-US" altLang="zh-CN" dirty="0"/>
+              <a:t> </a:t>
+            </a:r>
+            <a:endParaRPr lang="en-US" altLang="zh-CN" dirty="0" smtClean="0"/>
+          </a:p>
+          <a:p>
+            <a:pPr lvl="1"/>
+            <a:r>
+              <a:rPr lang="en-US" altLang="zh-CN" dirty="0" smtClean="0"/>
+              <a:t>R1</a:t>
+            </a:r>
+            <a:r>
+              <a:rPr lang="zh-CN" altLang="en-US" dirty="0" smtClean="0"/>
+              <a:t>和</a:t>
+            </a:r>
+            <a:r>
+              <a:rPr lang="en-US" altLang="zh-CN" dirty="0" smtClean="0"/>
+              <a:t>R2</a:t>
+            </a:r>
+          </a:p>
+          <a:p>
+            <a:pPr lvl="2"/>
+            <a:r>
+              <a:rPr lang="zh-CN" altLang="en-US" dirty="0" smtClean="0"/>
+              <a:t>收到</a:t>
+            </a:r>
+            <a:r>
+              <a:rPr lang="en-US" altLang="zh-CN" dirty="0" err="1" smtClean="0"/>
+              <a:t>ebgp</a:t>
+            </a:r>
+            <a:r>
+              <a:rPr lang="zh-CN" altLang="en-US" dirty="0" smtClean="0"/>
+              <a:t>路由发给</a:t>
+            </a:r>
+            <a:r>
+              <a:rPr lang="en-US" altLang="zh-CN" dirty="0" smtClean="0"/>
+              <a:t>R3</a:t>
+            </a:r>
+          </a:p>
+          <a:p>
+            <a:pPr lvl="2"/>
+            <a:r>
+              <a:rPr lang="zh-CN" altLang="en-US" dirty="0" smtClean="0"/>
+              <a:t>收到</a:t>
+            </a:r>
+            <a:r>
+              <a:rPr lang="en-US" altLang="zh-CN" dirty="0" err="1" smtClean="0"/>
+              <a:t>ibgp</a:t>
+            </a:r>
+            <a:r>
+              <a:rPr lang="zh-CN" altLang="en-US" dirty="0" smtClean="0"/>
+              <a:t>路由，向外宣告该路由</a:t>
+            </a:r>
+            <a:endParaRPr lang="en-US" altLang="zh-CN" dirty="0" smtClean="0"/>
+          </a:p>
+          <a:p>
+            <a:pPr lvl="1"/>
+            <a:r>
+              <a:rPr lang="en-US" altLang="zh-CN" dirty="0" smtClean="0"/>
+              <a:t>R3</a:t>
+            </a:r>
+          </a:p>
+          <a:p>
+            <a:pPr lvl="2"/>
+            <a:r>
+              <a:rPr lang="zh-CN" altLang="en-US" dirty="0" smtClean="0"/>
+              <a:t>收到</a:t>
+            </a:r>
+            <a:r>
+              <a:rPr lang="en-US" altLang="zh-CN" dirty="0" err="1" smtClean="0"/>
+              <a:t>ebgp</a:t>
+            </a:r>
+            <a:r>
+              <a:rPr lang="zh-CN" altLang="en-US" dirty="0" smtClean="0"/>
+              <a:t>路由报错</a:t>
+            </a:r>
+            <a:endParaRPr lang="en-US" altLang="zh-CN" dirty="0" smtClean="0"/>
+          </a:p>
+          <a:p>
+            <a:pPr lvl="2"/>
+            <a:r>
+              <a:rPr lang="zh-CN" altLang="en-US" dirty="0" smtClean="0"/>
+              <a:t>收到</a:t>
+            </a:r>
+            <a:r>
+              <a:rPr lang="en-US" altLang="zh-CN" dirty="0" err="1" smtClean="0"/>
+              <a:t>ibgp</a:t>
+            </a:r>
+            <a:r>
+              <a:rPr lang="zh-CN" altLang="en-US" dirty="0" smtClean="0"/>
+              <a:t>路由，集中式计算方法，发给所有</a:t>
+            </a:r>
+            <a:r>
+              <a:rPr lang="en-US" altLang="zh-CN" dirty="0" err="1" smtClean="0"/>
+              <a:t>ibgp</a:t>
+            </a:r>
+            <a:r>
+              <a:rPr lang="zh-CN" altLang="en-US" dirty="0" smtClean="0"/>
+              <a:t>邻居</a:t>
+            </a:r>
+            <a:endParaRPr lang="en-US" altLang="zh-CN" dirty="0" smtClean="0"/>
+          </a:p>
+          <a:p>
+            <a:r>
+              <a:rPr lang="zh-CN" altLang="en-US" dirty="0"/>
+              <a:t>集中</a:t>
+            </a:r>
+            <a:r>
+              <a:rPr lang="zh-CN" altLang="en-US" dirty="0" smtClean="0"/>
+              <a:t>平台</a:t>
+            </a:r>
+            <a:endParaRPr lang="en-US" altLang="zh-CN" dirty="0" smtClean="0"/>
+          </a:p>
+          <a:p>
+            <a:pPr lvl="1"/>
+            <a:r>
+              <a:rPr lang="zh-CN" altLang="en-US" dirty="0"/>
+              <a:t>路由</a:t>
+            </a:r>
+            <a:r>
+              <a:rPr lang="zh-CN" altLang="en-US" dirty="0" smtClean="0"/>
+              <a:t>表集中存储</a:t>
+            </a:r>
+            <a:endParaRPr lang="en-US" altLang="zh-CN" dirty="0" smtClean="0"/>
+          </a:p>
+          <a:p>
+            <a:pPr lvl="2"/>
+            <a:r>
+              <a:rPr lang="en-US" altLang="zh-CN" dirty="0" smtClean="0"/>
+              <a:t>Quagga</a:t>
+            </a:r>
+            <a:r>
+              <a:rPr lang="zh-CN" altLang="en-US" dirty="0" smtClean="0"/>
+              <a:t>路由表怎么实现</a:t>
+            </a:r>
+            <a:endParaRPr lang="en-US" altLang="zh-CN" dirty="0" smtClean="0"/>
+          </a:p>
+          <a:p>
+            <a:pPr lvl="1"/>
+            <a:r>
+              <a:rPr lang="zh-CN" altLang="en-US" dirty="0" smtClean="0"/>
+              <a:t>路由计算</a:t>
+            </a:r>
+            <a:endParaRPr lang="en-US" altLang="zh-CN" dirty="0" smtClean="0"/>
+          </a:p>
+          <a:p>
+            <a:pPr lvl="2"/>
+            <a:r>
+              <a:rPr lang="zh-CN" altLang="en-US" dirty="0" smtClean="0"/>
+              <a:t>分别计算</a:t>
+            </a:r>
+            <a:endParaRPr lang="en-US" altLang="zh-CN" dirty="0" smtClean="0"/>
+          </a:p>
+        </p:txBody>
+      </p:sp>
+      <p:pic>
+        <p:nvPicPr>
+          <p:cNvPr id="7" name="图片 6"/>
+          <p:cNvPicPr>
+            <a:picLocks noChangeAspect="1"/>
+          </p:cNvPicPr>
+          <p:nvPr/>
+        </p:nvPicPr>
+        <p:blipFill>
+          <a:blip r:embed="rId2"/>
+          <a:stretch>
+            <a:fillRect/>
+          </a:stretch>
+        </p:blipFill>
+        <p:spPr>
+          <a:xfrm>
+            <a:off x="5559972" y="257339"/>
+            <a:ext cx="2855151" cy="2307186"/>
+          </a:xfrm>
+          <a:prstGeom prst="rect">
+            <a:avLst/>
+          </a:prstGeom>
+        </p:spPr>
+      </p:pic>
+    </p:spTree>
+    <p:extLst>
+      <p:ext uri="{BB962C8B-B14F-4D97-AF65-F5344CB8AC3E}">
+        <p14:creationId xmlns:p14="http://schemas.microsoft.com/office/powerpoint/2010/main" val="1383519758"/>
+      </p:ext>
+    </p:extLst>
+  </p:cSld>
+  <p:clrMapOvr>
+    <a:masterClrMapping/>
+  </p:clrMapOvr>
 </p:sld>
 </file>
 
@@ -3302,4 +6184,265 @@
     </a:ext>
   </a:extLst>
 </a:theme>
+</file>
+
+<file path=ppt/theme/theme2.xml><?xml version="1.0" encoding="utf-8"?>
+<a:theme xmlns:a="http://schemas.openxmlformats.org/drawingml/2006/main" name="Office 主题​​">
+  <a:themeElements>
+    <a:clrScheme name="Office">
+      <a:dk1>
+        <a:sysClr val="windowText" lastClr="000000"/>
+      </a:dk1>
+      <a:lt1>
+        <a:sysClr val="window" lastClr="FFFFFF"/>
+      </a:lt1>
+      <a:dk2>
+        <a:srgbClr val="44546A"/>
+      </a:dk2>
+      <a:lt2>
+        <a:srgbClr val="E7E6E6"/>
+      </a:lt2>
+      <a:accent1>
+        <a:srgbClr val="5B9BD5"/>
+      </a:accent1>
+      <a:accent2>
+        <a:srgbClr val="ED7D31"/>
+      </a:accent2>
+      <a:accent3>
+        <a:srgbClr val="A5A5A5"/>
+      </a:accent3>
+      <a:accent4>
+        <a:srgbClr val="FFC000"/>
+      </a:accent4>
+      <a:accent5>
+        <a:srgbClr val="4472C4"/>
+      </a:accent5>
+      <a:accent6>
+        <a:srgbClr val="70AD47"/>
+      </a:accent6>
+      <a:hlink>
+        <a:srgbClr val="0563C1"/>
+      </a:hlink>
+      <a:folHlink>
+        <a:srgbClr val="954F72"/>
+      </a:folHlink>
+    </a:clrScheme>
+    <a:fontScheme name="Office">
+      <a:majorFont>
+        <a:latin typeface="等线 Light" panose="020F0302020204030204"/>
+        <a:ea typeface=""/>
+        <a:cs typeface=""/>
+        <a:font script="Jpan" typeface="游ゴシック Light"/>
+        <a:font script="Hang" typeface="맑은 고딕"/>
+        <a:font script="Hans" typeface="等线 Light"/>
+        <a:font script="Hant" typeface="新細明體"/>
+        <a:font script="Arab" typeface="Times New Roman"/>
+        <a:font script="Hebr" typeface="Times New Roman"/>
+        <a:font script="Thai" typeface="Angsana New"/>
+        <a:font script="Ethi" typeface="Nyala"/>
+        <a:font script="Beng" typeface="Vrinda"/>
+        <a:font script="Gujr" typeface="Shruti"/>
+        <a:font script="Khmr" typeface="MoolBoran"/>
+        <a:font script="Knda" typeface="Tunga"/>
+        <a:font script="Guru" typeface="Raavi"/>
+        <a:font script="Cans" typeface="Euphemia"/>
+        <a:font script="Cher" typeface="Plantagenet Cherokee"/>
+        <a:font script="Yiii" typeface="Microsoft Yi Baiti"/>
+        <a:font script="Tibt" typeface="Microsoft Himalaya"/>
+        <a:font script="Thaa" typeface="MV Boli"/>
+        <a:font script="Deva" typeface="Mangal"/>
+        <a:font script="Telu" typeface="Gautami"/>
+        <a:font script="Taml" typeface="Latha"/>
+        <a:font script="Syrc" typeface="Estrangelo Edessa"/>
+        <a:font script="Orya" typeface="Kalinga"/>
+        <a:font script="Mlym" typeface="Kartika"/>
+        <a:font script="Laoo" typeface="DokChampa"/>
+        <a:font script="Sinh" typeface="Iskoola Pota"/>
+        <a:font script="Mong" typeface="Mongolian Baiti"/>
+        <a:font script="Viet" typeface="Times New Roman"/>
+        <a:font script="Uigh" typeface="Microsoft Uighur"/>
+        <a:font script="Geor" typeface="Sylfaen"/>
+      </a:majorFont>
+      <a:minorFont>
+        <a:latin typeface="等线" panose="020F0502020204030204"/>
+        <a:ea typeface=""/>
+        <a:cs typeface=""/>
+        <a:font script="Jpan" typeface="游ゴシック"/>
+        <a:font script="Hang" typeface="맑은 고딕"/>
+        <a:font script="Hans" typeface="等线"/>
+        <a:font script="Hant" typeface="新細明體"/>
+        <a:font script="Arab" typeface="Arial"/>
+        <a:font script="Hebr" typeface="Arial"/>
+        <a:font script="Thai" typeface="Cordia New"/>
+        <a:font script="Ethi" typeface="Nyala"/>
+        <a:font script="Beng" typeface="Vrinda"/>
+        <a:font script="Gujr" typeface="Shruti"/>
+        <a:font script="Khmr" typeface="DaunPenh"/>
+        <a:font script="Knda" typeface="Tunga"/>
+        <a:font script="Guru" typeface="Raavi"/>
+        <a:font script="Cans" typeface="Euphemia"/>
+        <a:font script="Cher" typeface="Plantagenet Cherokee"/>
+        <a:font script="Yiii" typeface="Microsoft Yi Baiti"/>
+        <a:font script="Tibt" typeface="Microsoft Himalaya"/>
+        <a:font script="Thaa" typeface="MV Boli"/>
+        <a:font script="Deva" typeface="Mangal"/>
+        <a:font script="Telu" typeface="Gautami"/>
+        <a:font script="Taml" typeface="Latha"/>
+        <a:font script="Syrc" typeface="Estrangelo Edessa"/>
+        <a:font script="Orya" typeface="Kalinga"/>
+        <a:font script="Mlym" typeface="Kartika"/>
+        <a:font script="Laoo" typeface="DokChampa"/>
+        <a:font script="Sinh" typeface="Iskoola Pota"/>
+        <a:font script="Mong" typeface="Mongolian Baiti"/>
+        <a:font script="Viet" typeface="Arial"/>
+        <a:font script="Uigh" typeface="Microsoft Uighur"/>
+        <a:font script="Geor" typeface="Sylfaen"/>
+      </a:minorFont>
+    </a:fontScheme>
+    <a:fmtScheme name="Office">
+      <a:fillStyleLst>
+        <a:solidFill>
+          <a:schemeClr val="phClr"/>
+        </a:solidFill>
+        <a:gradFill rotWithShape="1">
+          <a:gsLst>
+            <a:gs pos="0">
+              <a:schemeClr val="phClr">
+                <a:lumMod val="110000"/>
+                <a:satMod val="105000"/>
+                <a:tint val="67000"/>
+              </a:schemeClr>
+            </a:gs>
+            <a:gs pos="50000">
+              <a:schemeClr val="phClr">
+                <a:lumMod val="105000"/>
+                <a:satMod val="103000"/>
+                <a:tint val="73000"/>
+              </a:schemeClr>
+            </a:gs>
+            <a:gs pos="100000">
+              <a:schemeClr val="phClr">
+                <a:lumMod val="105000"/>
+                <a:satMod val="109000"/>
+                <a:tint val="81000"/>
+              </a:schemeClr>
+            </a:gs>
+          </a:gsLst>
+          <a:lin ang="5400000" scaled="0"/>
+        </a:gradFill>
+        <a:gradFill rotWithShape="1">
+          <a:gsLst>
+            <a:gs pos="0">
+              <a:schemeClr val="phClr">
+                <a:satMod val="103000"/>
+                <a:lumMod val="102000"/>
+                <a:tint val="94000"/>
+              </a:schemeClr>
+            </a:gs>
+            <a:gs pos="50000">
+              <a:schemeClr val="phClr">
+                <a:satMod val="110000"/>
+                <a:lumMod val="100000"/>
+                <a:shade val="100000"/>
+              </a:schemeClr>
+            </a:gs>
+            <a:gs pos="100000">
+              <a:schemeClr val="phClr">
+                <a:lumMod val="99000"/>
+                <a:satMod val="120000"/>
+                <a:shade val="78000"/>
+              </a:schemeClr>
+            </a:gs>
+          </a:gsLst>
+          <a:lin ang="5400000" scaled="0"/>
+        </a:gradFill>
+      </a:fillStyleLst>
+      <a:lnStyleLst>
+        <a:ln w="6350" cap="flat" cmpd="sng" algn="ctr">
+          <a:solidFill>
+            <a:schemeClr val="phClr"/>
+          </a:solidFill>
+          <a:prstDash val="solid"/>
+          <a:miter lim="800000"/>
+        </a:ln>
+        <a:ln w="12700" cap="flat" cmpd="sng" algn="ctr">
+          <a:solidFill>
+            <a:schemeClr val="phClr"/>
+          </a:solidFill>
+          <a:prstDash val="solid"/>
+          <a:miter lim="800000"/>
+        </a:ln>
+        <a:ln w="19050" cap="flat" cmpd="sng" algn="ctr">
+          <a:solidFill>
+            <a:schemeClr val="phClr"/>
+          </a:solidFill>
+          <a:prstDash val="solid"/>
+          <a:miter lim="800000"/>
+        </a:ln>
+      </a:lnStyleLst>
+      <a:effectStyleLst>
+        <a:effectStyle>
+          <a:effectLst/>
+        </a:effectStyle>
+        <a:effectStyle>
+          <a:effectLst/>
+        </a:effectStyle>
+        <a:effectStyle>
+          <a:effectLst>
+            <a:outerShdw blurRad="57150" dist="19050" dir="5400000" algn="ctr" rotWithShape="0">
+              <a:srgbClr val="000000">
+                <a:alpha val="63000"/>
+              </a:srgbClr>
+            </a:outerShdw>
+          </a:effectLst>
+        </a:effectStyle>
+      </a:effectStyleLst>
+      <a:bgFillStyleLst>
+        <a:solidFill>
+          <a:schemeClr val="phClr"/>
+        </a:solidFill>
+        <a:solidFill>
+          <a:schemeClr val="phClr">
+            <a:tint val="95000"/>
+            <a:satMod val="170000"/>
+          </a:schemeClr>
+        </a:solidFill>
+        <a:gradFill rotWithShape="1">
+          <a:gsLst>
+            <a:gs pos="0">
+              <a:schemeClr val="phClr">
+                <a:tint val="93000"/>
+                <a:satMod val="150000"/>
+                <a:shade val="98000"/>
+                <a:lumMod val="102000"/>
+              </a:schemeClr>
+            </a:gs>
+            <a:gs pos="50000">
+              <a:schemeClr val="phClr">
+                <a:tint val="98000"/>
+                <a:satMod val="130000"/>
+                <a:shade val="90000"/>
+                <a:lumMod val="103000"/>
+              </a:schemeClr>
+            </a:gs>
+            <a:gs pos="100000">
+              <a:schemeClr val="phClr">
+                <a:shade val="63000"/>
+                <a:satMod val="120000"/>
+              </a:schemeClr>
+            </a:gs>
+          </a:gsLst>
+          <a:lin ang="5400000" scaled="0"/>
+        </a:gradFill>
+      </a:bgFillStyleLst>
+    </a:fmtScheme>
+  </a:themeElements>
+  <a:objectDefaults/>
+  <a:extraClrSchemeLst/>
+  <a:extLst>
+    <a:ext uri="{05A4C25C-085E-4340-85A3-A5531E510DB2}">
+      <thm15:themeFamily xmlns:thm15="http://schemas.microsoft.com/office/thememl/2012/main" name="Office Theme" id="{62F939B6-93AF-4DB8-9C6B-D6C7DFDC589F}" vid="{4A3C46E8-61CC-4603-A589-7422A47A8E4A}"/>
+    </a:ext>
+  </a:extLst>
+</a:theme>
 </file>